--- a/pa.pptx
+++ b/pa.pptx
@@ -3465,10 +3465,10 @@
       </p:sp>
       <p:grpSp>
         <p:nvGrpSpPr>
-          <p:cNvPr id="2" name="Grupp 1">
+          <p:cNvPr id="74" name="Grupp 73">
             <a:extLst>
               <a:ext uri="{FF2B5EF4-FFF2-40B4-BE49-F238E27FC236}">
-                <a16:creationId xmlns:a16="http://schemas.microsoft.com/office/drawing/2014/main" id="{2608043E-B232-A679-656C-41392812487F}"/>
+                <a16:creationId xmlns:a16="http://schemas.microsoft.com/office/drawing/2014/main" id="{AF2DB741-0D41-2AA9-8474-3402F39A234C}"/>
               </a:ext>
             </a:extLst>
           </p:cNvPr>
@@ -3477,18 +3477,18 @@
         </p:nvGrpSpPr>
         <p:grpSpPr>
           <a:xfrm>
-            <a:off x="1524000" y="1971478"/>
-            <a:ext cx="1721001" cy="2018818"/>
-            <a:chOff x="2748753" y="2331968"/>
-            <a:chExt cx="1721001" cy="2018818"/>
+            <a:off x="1583149" y="1976420"/>
+            <a:ext cx="1604529" cy="2013870"/>
+            <a:chOff x="1578612" y="1976425"/>
+            <a:chExt cx="1604529" cy="2013870"/>
           </a:xfrm>
         </p:grpSpPr>
         <p:grpSp>
           <p:nvGrpSpPr>
-            <p:cNvPr id="223" name="Group 48">
+            <p:cNvPr id="75" name="Group 48">
               <a:extLst>
                 <a:ext uri="{FF2B5EF4-FFF2-40B4-BE49-F238E27FC236}">
-                  <a16:creationId xmlns:a16="http://schemas.microsoft.com/office/drawing/2014/main" id="{8B9EAA96-BC47-1A40-8460-03A9DEC7AC34}"/>
+                  <a16:creationId xmlns:a16="http://schemas.microsoft.com/office/drawing/2014/main" id="{768CC15B-DE16-EA5C-53F0-921BCCEA681F}"/>
                 </a:ext>
               </a:extLst>
             </p:cNvPr>
@@ -3497,330 +3497,18 @@
           </p:nvGrpSpPr>
           <p:grpSpPr>
             <a:xfrm>
-              <a:off x="2748753" y="2331968"/>
-              <a:ext cx="1721001" cy="2018818"/>
-              <a:chOff x="4318921" y="3806601"/>
-              <a:chExt cx="1222250" cy="1433760"/>
+              <a:off x="1582445" y="3457359"/>
+              <a:ext cx="1600696" cy="532936"/>
+              <a:chOff x="4360429" y="4861871"/>
+              <a:chExt cx="1136810" cy="378490"/>
             </a:xfrm>
           </p:grpSpPr>
-          <p:grpSp>
-            <p:nvGrpSpPr>
-              <p:cNvPr id="230" name="Group 49">
+          <p:sp>
+            <p:nvSpPr>
+              <p:cNvPr id="85" name="Isosceles Triangle 50">
                 <a:extLst>
                   <a:ext uri="{FF2B5EF4-FFF2-40B4-BE49-F238E27FC236}">
-                    <a16:creationId xmlns:a16="http://schemas.microsoft.com/office/drawing/2014/main" id="{ED975A2C-B29B-FA41-B938-299BA46D99B6}"/>
-                  </a:ext>
-                </a:extLst>
-              </p:cNvPr>
-              <p:cNvGrpSpPr/>
-              <p:nvPr/>
-            </p:nvGrpSpPr>
-            <p:grpSpPr>
-              <a:xfrm>
-                <a:off x="4318921" y="3806601"/>
-                <a:ext cx="1222250" cy="1385712"/>
-                <a:chOff x="4070452" y="3534126"/>
-                <a:chExt cx="1723664" cy="1954185"/>
-              </a:xfrm>
-              <a:solidFill>
-                <a:srgbClr val="FFCC29"/>
-              </a:solidFill>
-            </p:grpSpPr>
-            <p:sp>
-              <p:nvSpPr>
-                <p:cNvPr id="233" name="Freeform 53">
-                  <a:extLst>
-                    <a:ext uri="{FF2B5EF4-FFF2-40B4-BE49-F238E27FC236}">
-                      <a16:creationId xmlns:a16="http://schemas.microsoft.com/office/drawing/2014/main" id="{22DCDF3D-DF15-1F4D-A943-2BB00CFBC6C3}"/>
-                    </a:ext>
-                  </a:extLst>
-                </p:cNvPr>
-                <p:cNvSpPr/>
-                <p:nvPr/>
-              </p:nvSpPr>
-              <p:spPr>
-                <a:xfrm rot="9000000">
-                  <a:off x="4070452" y="3888874"/>
-                  <a:ext cx="923791" cy="1599437"/>
-                </a:xfrm>
-                <a:custGeom>
-                  <a:avLst/>
-                  <a:gdLst>
-                    <a:gd name="connsiteX0" fmla="*/ 0 w 2013626"/>
-                    <a:gd name="connsiteY0" fmla="*/ 1735884 h 3471768"/>
-                    <a:gd name="connsiteX1" fmla="*/ 1006813 w 2013626"/>
-                    <a:gd name="connsiteY1" fmla="*/ 0 h 3471768"/>
-                    <a:gd name="connsiteX2" fmla="*/ 2013626 w 2013626"/>
-                    <a:gd name="connsiteY2" fmla="*/ 1735884 h 3471768"/>
-                    <a:gd name="connsiteX3" fmla="*/ 1006813 w 2013626"/>
-                    <a:gd name="connsiteY3" fmla="*/ 3471768 h 3471768"/>
-                  </a:gdLst>
-                  <a:ahLst/>
-                  <a:cxnLst>
-                    <a:cxn ang="0">
-                      <a:pos x="connsiteX0" y="connsiteY0"/>
-                    </a:cxn>
-                    <a:cxn ang="0">
-                      <a:pos x="connsiteX1" y="connsiteY1"/>
-                    </a:cxn>
-                    <a:cxn ang="0">
-                      <a:pos x="connsiteX2" y="connsiteY2"/>
-                    </a:cxn>
-                    <a:cxn ang="0">
-                      <a:pos x="connsiteX3" y="connsiteY3"/>
-                    </a:cxn>
-                  </a:cxnLst>
-                  <a:rect l="l" t="t" r="r" b="b"/>
-                  <a:pathLst>
-                    <a:path w="2013626" h="3471768">
-                      <a:moveTo>
-                        <a:pt x="0" y="1735884"/>
-                      </a:moveTo>
-                      <a:lnTo>
-                        <a:pt x="1006813" y="0"/>
-                      </a:lnTo>
-                      <a:lnTo>
-                        <a:pt x="2013626" y="1735884"/>
-                      </a:lnTo>
-                      <a:lnTo>
-                        <a:pt x="1006813" y="3471768"/>
-                      </a:lnTo>
-                      <a:close/>
-                    </a:path>
-                  </a:pathLst>
-                </a:custGeom>
-                <a:solidFill>
-                  <a:srgbClr val="F55A22"/>
-                </a:solidFill>
-                <a:ln cap="rnd">
-                  <a:noFill/>
-                  <a:round/>
-                </a:ln>
-              </p:spPr>
-              <p:style>
-                <a:lnRef idx="2">
-                  <a:schemeClr val="accent1">
-                    <a:shade val="50000"/>
-                  </a:schemeClr>
-                </a:lnRef>
-                <a:fillRef idx="1">
-                  <a:schemeClr val="accent1"/>
-                </a:fillRef>
-                <a:effectRef idx="0">
-                  <a:schemeClr val="accent1"/>
-                </a:effectRef>
-                <a:fontRef idx="minor">
-                  <a:schemeClr val="lt1"/>
-                </a:fontRef>
-              </p:style>
-              <p:txBody>
-                <a:bodyPr rtlCol="0" anchor="ctr"/>
-                <a:lstStyle/>
-                <a:p>
-                  <a:pPr algn="ctr"/>
-                  <a:endParaRPr lang="sv-SE"/>
-                </a:p>
-              </p:txBody>
-            </p:sp>
-            <p:sp>
-              <p:nvSpPr>
-                <p:cNvPr id="234" name="Freeform 54">
-                  <a:extLst>
-                    <a:ext uri="{FF2B5EF4-FFF2-40B4-BE49-F238E27FC236}">
-                      <a16:creationId xmlns:a16="http://schemas.microsoft.com/office/drawing/2014/main" id="{D0540F80-DDE9-484E-9004-22C460DB9D7E}"/>
-                    </a:ext>
-                  </a:extLst>
-                </p:cNvPr>
-                <p:cNvSpPr/>
-                <p:nvPr/>
-              </p:nvSpPr>
-              <p:spPr>
-                <a:xfrm rot="12600000" flipH="1">
-                  <a:off x="4870325" y="3888874"/>
-                  <a:ext cx="923791" cy="1599436"/>
-                </a:xfrm>
-                <a:custGeom>
-                  <a:avLst/>
-                  <a:gdLst>
-                    <a:gd name="connsiteX0" fmla="*/ 0 w 2013626"/>
-                    <a:gd name="connsiteY0" fmla="*/ 1735884 h 3471768"/>
-                    <a:gd name="connsiteX1" fmla="*/ 1006813 w 2013626"/>
-                    <a:gd name="connsiteY1" fmla="*/ 0 h 3471768"/>
-                    <a:gd name="connsiteX2" fmla="*/ 2013626 w 2013626"/>
-                    <a:gd name="connsiteY2" fmla="*/ 1735884 h 3471768"/>
-                    <a:gd name="connsiteX3" fmla="*/ 1006813 w 2013626"/>
-                    <a:gd name="connsiteY3" fmla="*/ 3471768 h 3471768"/>
-                  </a:gdLst>
-                  <a:ahLst/>
-                  <a:cxnLst>
-                    <a:cxn ang="0">
-                      <a:pos x="connsiteX0" y="connsiteY0"/>
-                    </a:cxn>
-                    <a:cxn ang="0">
-                      <a:pos x="connsiteX1" y="connsiteY1"/>
-                    </a:cxn>
-                    <a:cxn ang="0">
-                      <a:pos x="connsiteX2" y="connsiteY2"/>
-                    </a:cxn>
-                    <a:cxn ang="0">
-                      <a:pos x="connsiteX3" y="connsiteY3"/>
-                    </a:cxn>
-                  </a:cxnLst>
-                  <a:rect l="l" t="t" r="r" b="b"/>
-                  <a:pathLst>
-                    <a:path w="2013626" h="3471768">
-                      <a:moveTo>
-                        <a:pt x="0" y="1735884"/>
-                      </a:moveTo>
-                      <a:lnTo>
-                        <a:pt x="1006813" y="0"/>
-                      </a:lnTo>
-                      <a:lnTo>
-                        <a:pt x="2013626" y="1735884"/>
-                      </a:lnTo>
-                      <a:lnTo>
-                        <a:pt x="1006813" y="3471768"/>
-                      </a:lnTo>
-                      <a:close/>
-                    </a:path>
-                  </a:pathLst>
-                </a:custGeom>
-                <a:solidFill>
-                  <a:srgbClr val="7030A0"/>
-                </a:solidFill>
-                <a:ln cap="rnd">
-                  <a:noFill/>
-                  <a:round/>
-                </a:ln>
-              </p:spPr>
-              <p:style>
-                <a:lnRef idx="2">
-                  <a:schemeClr val="accent1">
-                    <a:shade val="50000"/>
-                  </a:schemeClr>
-                </a:lnRef>
-                <a:fillRef idx="1">
-                  <a:schemeClr val="accent1"/>
-                </a:fillRef>
-                <a:effectRef idx="0">
-                  <a:schemeClr val="accent1"/>
-                </a:effectRef>
-                <a:fontRef idx="minor">
-                  <a:schemeClr val="lt1"/>
-                </a:fontRef>
-              </p:style>
-              <p:txBody>
-                <a:bodyPr rtlCol="0" anchor="ctr"/>
-                <a:lstStyle/>
-                <a:p>
-                  <a:pPr algn="ctr"/>
-                  <a:endParaRPr lang="sv-SE"/>
-                </a:p>
-              </p:txBody>
-            </p:sp>
-            <p:sp>
-              <p:nvSpPr>
-                <p:cNvPr id="235" name="Freeform 55">
-                  <a:extLst>
-                    <a:ext uri="{FF2B5EF4-FFF2-40B4-BE49-F238E27FC236}">
-                      <a16:creationId xmlns:a16="http://schemas.microsoft.com/office/drawing/2014/main" id="{1AA7F713-F5B9-1E4A-9ECE-3110076894E1}"/>
-                    </a:ext>
-                  </a:extLst>
-                </p:cNvPr>
-                <p:cNvSpPr/>
-                <p:nvPr/>
-              </p:nvSpPr>
-              <p:spPr>
-                <a:xfrm rot="5400000">
-                  <a:off x="4471304" y="3196619"/>
-                  <a:ext cx="923791" cy="1598806"/>
-                </a:xfrm>
-                <a:custGeom>
-                  <a:avLst/>
-                  <a:gdLst>
-                    <a:gd name="connsiteX0" fmla="*/ 0 w 2013626"/>
-                    <a:gd name="connsiteY0" fmla="*/ 1735884 h 3471768"/>
-                    <a:gd name="connsiteX1" fmla="*/ 1006813 w 2013626"/>
-                    <a:gd name="connsiteY1" fmla="*/ 0 h 3471768"/>
-                    <a:gd name="connsiteX2" fmla="*/ 2013626 w 2013626"/>
-                    <a:gd name="connsiteY2" fmla="*/ 1735884 h 3471768"/>
-                    <a:gd name="connsiteX3" fmla="*/ 1006813 w 2013626"/>
-                    <a:gd name="connsiteY3" fmla="*/ 3471768 h 3471768"/>
-                  </a:gdLst>
-                  <a:ahLst/>
-                  <a:cxnLst>
-                    <a:cxn ang="0">
-                      <a:pos x="connsiteX0" y="connsiteY0"/>
-                    </a:cxn>
-                    <a:cxn ang="0">
-                      <a:pos x="connsiteX1" y="connsiteY1"/>
-                    </a:cxn>
-                    <a:cxn ang="0">
-                      <a:pos x="connsiteX2" y="connsiteY2"/>
-                    </a:cxn>
-                    <a:cxn ang="0">
-                      <a:pos x="connsiteX3" y="connsiteY3"/>
-                    </a:cxn>
-                  </a:cxnLst>
-                  <a:rect l="l" t="t" r="r" b="b"/>
-                  <a:pathLst>
-                    <a:path w="2013626" h="3471768">
-                      <a:moveTo>
-                        <a:pt x="0" y="1735884"/>
-                      </a:moveTo>
-                      <a:lnTo>
-                        <a:pt x="1006813" y="0"/>
-                      </a:lnTo>
-                      <a:lnTo>
-                        <a:pt x="2013626" y="1735884"/>
-                      </a:lnTo>
-                      <a:lnTo>
-                        <a:pt x="1006813" y="3471768"/>
-                      </a:lnTo>
-                      <a:close/>
-                    </a:path>
-                  </a:pathLst>
-                </a:custGeom>
-                <a:solidFill>
-                  <a:srgbClr val="FFC001"/>
-                </a:solidFill>
-                <a:ln cap="rnd">
-                  <a:noFill/>
-                  <a:round/>
-                </a:ln>
-              </p:spPr>
-              <p:style>
-                <a:lnRef idx="2">
-                  <a:schemeClr val="accent1">
-                    <a:shade val="50000"/>
-                  </a:schemeClr>
-                </a:lnRef>
-                <a:fillRef idx="1">
-                  <a:schemeClr val="accent1"/>
-                </a:fillRef>
-                <a:effectRef idx="0">
-                  <a:schemeClr val="accent1"/>
-                </a:effectRef>
-                <a:fontRef idx="minor">
-                  <a:schemeClr val="lt1"/>
-                </a:fontRef>
-              </p:style>
-              <p:txBody>
-                <a:bodyPr rtlCol="0" anchor="ctr"/>
-                <a:lstStyle/>
-                <a:p>
-                  <a:pPr algn="ctr"/>
-                  <a:endParaRPr lang="sv-SE" dirty="0"/>
-                </a:p>
-              </p:txBody>
-            </p:sp>
-          </p:grpSp>
-          <p:sp>
-            <p:nvSpPr>
-              <p:cNvPr id="231" name="Isosceles Triangle 50">
-                <a:extLst>
-                  <a:ext uri="{FF2B5EF4-FFF2-40B4-BE49-F238E27FC236}">
-                    <a16:creationId xmlns:a16="http://schemas.microsoft.com/office/drawing/2014/main" id="{2E283E7A-548B-8B49-AB7A-FEA2BB580665}"/>
+                    <a16:creationId xmlns:a16="http://schemas.microsoft.com/office/drawing/2014/main" id="{71EEC9AD-F01A-F304-FA4E-C775184D4536}"/>
                   </a:ext>
                 </a:extLst>
               </p:cNvPr>
@@ -3869,10 +3557,10 @@
           </p:sp>
           <p:sp>
             <p:nvSpPr>
-              <p:cNvPr id="232" name="Isosceles Triangle 51">
+              <p:cNvPr id="86" name="Isosceles Triangle 51">
                 <a:extLst>
                   <a:ext uri="{FF2B5EF4-FFF2-40B4-BE49-F238E27FC236}">
-                    <a16:creationId xmlns:a16="http://schemas.microsoft.com/office/drawing/2014/main" id="{EAE658B0-5A46-8241-937E-9A54114A1E5E}"/>
+                    <a16:creationId xmlns:a16="http://schemas.microsoft.com/office/drawing/2014/main" id="{3BEFF6D1-8FD7-C7B9-6C8B-0ABA70FBC1AF}"/>
                   </a:ext>
                 </a:extLst>
               </p:cNvPr>
@@ -3922,10 +3610,10 @@
         </p:grpSp>
         <p:grpSp>
           <p:nvGrpSpPr>
-            <p:cNvPr id="225" name="Group 88">
+            <p:cNvPr id="76" name="Grupp 75">
               <a:extLst>
                 <a:ext uri="{FF2B5EF4-FFF2-40B4-BE49-F238E27FC236}">
-                  <a16:creationId xmlns:a16="http://schemas.microsoft.com/office/drawing/2014/main" id="{48B1D7EC-86D2-874A-83FF-360592CDEE5D}"/>
+                  <a16:creationId xmlns:a16="http://schemas.microsoft.com/office/drawing/2014/main" id="{82986637-9D2D-1EEE-CED0-DEE5BF6AC730}"/>
                 </a:ext>
               </a:extLst>
             </p:cNvPr>
@@ -3934,18 +3622,557 @@
           </p:nvGrpSpPr>
           <p:grpSpPr>
             <a:xfrm>
-              <a:off x="3185804" y="2799774"/>
-              <a:ext cx="845749" cy="958859"/>
-              <a:chOff x="3178679" y="2204286"/>
-              <a:chExt cx="1721001" cy="1951168"/>
+              <a:off x="1578612" y="1976425"/>
+              <a:ext cx="1599312" cy="1845932"/>
+              <a:chOff x="1732910" y="530348"/>
+              <a:chExt cx="5402338" cy="6235405"/>
             </a:xfrm>
           </p:grpSpPr>
           <p:sp>
             <p:nvSpPr>
-              <p:cNvPr id="227" name="Freeform 90">
+              <p:cNvPr id="81" name="Frihandsfigur 80">
                 <a:extLst>
                   <a:ext uri="{FF2B5EF4-FFF2-40B4-BE49-F238E27FC236}">
-                    <a16:creationId xmlns:a16="http://schemas.microsoft.com/office/drawing/2014/main" id="{93F8B7CD-2CB0-264A-A885-270592534434}"/>
+                    <a16:creationId xmlns:a16="http://schemas.microsoft.com/office/drawing/2014/main" id="{A75A374D-3A37-4306-FD10-5392A0489D95}"/>
+                  </a:ext>
+                </a:extLst>
+              </p:cNvPr>
+              <p:cNvSpPr/>
+              <p:nvPr/>
+            </p:nvSpPr>
+            <p:spPr>
+              <a:xfrm rot="5400000">
+                <a:off x="6259806" y="1801250"/>
+                <a:ext cx="640450" cy="1106895"/>
+              </a:xfrm>
+              <a:custGeom>
+                <a:avLst/>
+                <a:gdLst>
+                  <a:gd name="connsiteX0" fmla="*/ 0 w 640450"/>
+                  <a:gd name="connsiteY0" fmla="*/ 0 h 1106895"/>
+                  <a:gd name="connsiteX1" fmla="*/ 1042 w 640450"/>
+                  <a:gd name="connsiteY1" fmla="*/ 0 h 1106895"/>
+                  <a:gd name="connsiteX2" fmla="*/ 640450 w 640450"/>
+                  <a:gd name="connsiteY2" fmla="*/ 1106626 h 1106895"/>
+                  <a:gd name="connsiteX3" fmla="*/ 638975 w 640450"/>
+                  <a:gd name="connsiteY3" fmla="*/ 1106626 h 1106895"/>
+                  <a:gd name="connsiteX4" fmla="*/ 638818 w 640450"/>
+                  <a:gd name="connsiteY4" fmla="*/ 1106895 h 1106895"/>
+                  <a:gd name="connsiteX5" fmla="*/ 0 w 640450"/>
+                  <a:gd name="connsiteY5" fmla="*/ 0 h 1106895"/>
+                </a:gdLst>
+                <a:ahLst/>
+                <a:cxnLst>
+                  <a:cxn ang="0">
+                    <a:pos x="connsiteX0" y="connsiteY0"/>
+                  </a:cxn>
+                  <a:cxn ang="0">
+                    <a:pos x="connsiteX1" y="connsiteY1"/>
+                  </a:cxn>
+                  <a:cxn ang="0">
+                    <a:pos x="connsiteX2" y="connsiteY2"/>
+                  </a:cxn>
+                  <a:cxn ang="0">
+                    <a:pos x="connsiteX3" y="connsiteY3"/>
+                  </a:cxn>
+                  <a:cxn ang="0">
+                    <a:pos x="connsiteX4" y="connsiteY4"/>
+                  </a:cxn>
+                  <a:cxn ang="0">
+                    <a:pos x="connsiteX5" y="connsiteY5"/>
+                  </a:cxn>
+                </a:cxnLst>
+                <a:rect l="l" t="t" r="r" b="b"/>
+                <a:pathLst>
+                  <a:path w="640450" h="1106895">
+                    <a:moveTo>
+                      <a:pt x="0" y="0"/>
+                    </a:moveTo>
+                    <a:lnTo>
+                      <a:pt x="1042" y="0"/>
+                    </a:lnTo>
+                    <a:lnTo>
+                      <a:pt x="640450" y="1106626"/>
+                    </a:lnTo>
+                    <a:lnTo>
+                      <a:pt x="638975" y="1106626"/>
+                    </a:lnTo>
+                    <a:lnTo>
+                      <a:pt x="638818" y="1106895"/>
+                    </a:lnTo>
+                    <a:lnTo>
+                      <a:pt x="0" y="0"/>
+                    </a:lnTo>
+                    <a:close/>
+                  </a:path>
+                </a:pathLst>
+              </a:custGeom>
+              <a:solidFill>
+                <a:schemeClr val="accent2"/>
+              </a:solidFill>
+              <a:ln w="95250" cap="rnd">
+                <a:noFill/>
+                <a:miter lim="800000"/>
+              </a:ln>
+            </p:spPr>
+            <p:style>
+              <a:lnRef idx="2">
+                <a:schemeClr val="accent1">
+                  <a:shade val="50000"/>
+                </a:schemeClr>
+              </a:lnRef>
+              <a:fillRef idx="1">
+                <a:schemeClr val="accent1"/>
+              </a:fillRef>
+              <a:effectRef idx="0">
+                <a:schemeClr val="accent1"/>
+              </a:effectRef>
+              <a:fontRef idx="minor">
+                <a:schemeClr val="lt1"/>
+              </a:fontRef>
+            </p:style>
+            <p:txBody>
+              <a:bodyPr wrap="square" rtlCol="0" anchor="ctr">
+                <a:noAutofit/>
+              </a:bodyPr>
+              <a:lstStyle/>
+              <a:p>
+                <a:pPr algn="ctr"/>
+                <a:endParaRPr lang="sv-SE" dirty="0"/>
+              </a:p>
+            </p:txBody>
+          </p:sp>
+          <p:sp>
+            <p:nvSpPr>
+              <p:cNvPr id="82" name="Frihandsfigur 81">
+                <a:extLst>
+                  <a:ext uri="{FF2B5EF4-FFF2-40B4-BE49-F238E27FC236}">
+                    <a16:creationId xmlns:a16="http://schemas.microsoft.com/office/drawing/2014/main" id="{167D7BC8-419B-3C15-A161-97FB53056264}"/>
+                  </a:ext>
+                </a:extLst>
+              </p:cNvPr>
+              <p:cNvSpPr/>
+              <p:nvPr/>
+            </p:nvSpPr>
+            <p:spPr>
+              <a:xfrm rot="5400000">
+                <a:off x="3336676" y="-1068488"/>
+                <a:ext cx="2199736" cy="5397408"/>
+              </a:xfrm>
+              <a:custGeom>
+                <a:avLst/>
+                <a:gdLst>
+                  <a:gd name="connsiteX0" fmla="*/ 0 w 2199737"/>
+                  <a:gd name="connsiteY0" fmla="*/ 2698702 h 5397403"/>
+                  <a:gd name="connsiteX1" fmla="*/ 1559309 w 2199737"/>
+                  <a:gd name="connsiteY1" fmla="*/ 0 h 5397403"/>
+                  <a:gd name="connsiteX2" fmla="*/ 1560328 w 2199737"/>
+                  <a:gd name="connsiteY2" fmla="*/ 1765 h 5397403"/>
+                  <a:gd name="connsiteX3" fmla="*/ 1559286 w 2199737"/>
+                  <a:gd name="connsiteY3" fmla="*/ 1765 h 5397403"/>
+                  <a:gd name="connsiteX4" fmla="*/ 2198104 w 2199737"/>
+                  <a:gd name="connsiteY4" fmla="*/ 1108660 h 5397403"/>
+                  <a:gd name="connsiteX5" fmla="*/ 1275848 w 2199737"/>
+                  <a:gd name="connsiteY5" fmla="*/ 2698701 h 5397403"/>
+                  <a:gd name="connsiteX6" fmla="*/ 2198260 w 2199737"/>
+                  <a:gd name="connsiteY6" fmla="*/ 4289011 h 5397403"/>
+                  <a:gd name="connsiteX7" fmla="*/ 2199737 w 2199737"/>
+                  <a:gd name="connsiteY7" fmla="*/ 4289011 h 5397403"/>
+                  <a:gd name="connsiteX8" fmla="*/ 1559308 w 2199737"/>
+                  <a:gd name="connsiteY8" fmla="*/ 5397403 h 5397403"/>
+                  <a:gd name="connsiteX9" fmla="*/ 0 w 2199737"/>
+                  <a:gd name="connsiteY9" fmla="*/ 2698702 h 5397403"/>
+                </a:gdLst>
+                <a:ahLst/>
+                <a:cxnLst>
+                  <a:cxn ang="0">
+                    <a:pos x="connsiteX0" y="connsiteY0"/>
+                  </a:cxn>
+                  <a:cxn ang="0">
+                    <a:pos x="connsiteX1" y="connsiteY1"/>
+                  </a:cxn>
+                  <a:cxn ang="0">
+                    <a:pos x="connsiteX2" y="connsiteY2"/>
+                  </a:cxn>
+                  <a:cxn ang="0">
+                    <a:pos x="connsiteX3" y="connsiteY3"/>
+                  </a:cxn>
+                  <a:cxn ang="0">
+                    <a:pos x="connsiteX4" y="connsiteY4"/>
+                  </a:cxn>
+                  <a:cxn ang="0">
+                    <a:pos x="connsiteX5" y="connsiteY5"/>
+                  </a:cxn>
+                  <a:cxn ang="0">
+                    <a:pos x="connsiteX6" y="connsiteY6"/>
+                  </a:cxn>
+                  <a:cxn ang="0">
+                    <a:pos x="connsiteX7" y="connsiteY7"/>
+                  </a:cxn>
+                  <a:cxn ang="0">
+                    <a:pos x="connsiteX8" y="connsiteY8"/>
+                  </a:cxn>
+                  <a:cxn ang="0">
+                    <a:pos x="connsiteX9" y="connsiteY9"/>
+                  </a:cxn>
+                </a:cxnLst>
+                <a:rect l="l" t="t" r="r" b="b"/>
+                <a:pathLst>
+                  <a:path w="2199737" h="5397403">
+                    <a:moveTo>
+                      <a:pt x="0" y="2698702"/>
+                    </a:moveTo>
+                    <a:lnTo>
+                      <a:pt x="1559309" y="0"/>
+                    </a:lnTo>
+                    <a:lnTo>
+                      <a:pt x="1560328" y="1765"/>
+                    </a:lnTo>
+                    <a:lnTo>
+                      <a:pt x="1559286" y="1765"/>
+                    </a:lnTo>
+                    <a:lnTo>
+                      <a:pt x="2198104" y="1108660"/>
+                    </a:lnTo>
+                    <a:lnTo>
+                      <a:pt x="1275848" y="2698701"/>
+                    </a:lnTo>
+                    <a:lnTo>
+                      <a:pt x="2198260" y="4289011"/>
+                    </a:lnTo>
+                    <a:lnTo>
+                      <a:pt x="2199737" y="4289011"/>
+                    </a:lnTo>
+                    <a:lnTo>
+                      <a:pt x="1559308" y="5397403"/>
+                    </a:lnTo>
+                    <a:lnTo>
+                      <a:pt x="0" y="2698702"/>
+                    </a:lnTo>
+                    <a:close/>
+                  </a:path>
+                </a:pathLst>
+              </a:custGeom>
+              <a:solidFill>
+                <a:srgbClr val="FFC004"/>
+              </a:solidFill>
+              <a:ln w="95250" cap="rnd">
+                <a:noFill/>
+                <a:miter lim="800000"/>
+              </a:ln>
+            </p:spPr>
+            <p:style>
+              <a:lnRef idx="2">
+                <a:schemeClr val="accent1">
+                  <a:shade val="50000"/>
+                </a:schemeClr>
+              </a:lnRef>
+              <a:fillRef idx="1">
+                <a:schemeClr val="accent1"/>
+              </a:fillRef>
+              <a:effectRef idx="0">
+                <a:schemeClr val="accent1"/>
+              </a:effectRef>
+              <a:fontRef idx="minor">
+                <a:schemeClr val="lt1"/>
+              </a:fontRef>
+            </p:style>
+            <p:txBody>
+              <a:bodyPr wrap="square" rtlCol="0" anchor="ctr">
+                <a:noAutofit/>
+              </a:bodyPr>
+              <a:lstStyle/>
+              <a:p>
+                <a:pPr algn="ctr"/>
+                <a:endParaRPr lang="sv-SE" dirty="0"/>
+              </a:p>
+            </p:txBody>
+          </p:sp>
+          <p:sp>
+            <p:nvSpPr>
+              <p:cNvPr id="83" name="Frihandsfigur 82">
+                <a:extLst>
+                  <a:ext uri="{FF2B5EF4-FFF2-40B4-BE49-F238E27FC236}">
+                    <a16:creationId xmlns:a16="http://schemas.microsoft.com/office/drawing/2014/main" id="{15DD39E8-2D12-A3AF-A119-8615071C9D61}"/>
+                  </a:ext>
+                </a:extLst>
+              </p:cNvPr>
+              <p:cNvSpPr/>
+              <p:nvPr/>
+            </p:nvSpPr>
+            <p:spPr>
+              <a:xfrm rot="5400000">
+                <a:off x="745101" y="3077433"/>
+                <a:ext cx="4676126" cy="2700508"/>
+              </a:xfrm>
+              <a:custGeom>
+                <a:avLst/>
+                <a:gdLst>
+                  <a:gd name="connsiteX0" fmla="*/ 0 w 4676127"/>
+                  <a:gd name="connsiteY0" fmla="*/ 2699988 h 2700510"/>
+                  <a:gd name="connsiteX1" fmla="*/ 642230 w 4676127"/>
+                  <a:gd name="connsiteY1" fmla="*/ 1587184 h 2700510"/>
+                  <a:gd name="connsiteX2" fmla="*/ 2410027 w 4676127"/>
+                  <a:gd name="connsiteY2" fmla="*/ 1587184 h 2700510"/>
+                  <a:gd name="connsiteX3" fmla="*/ 3330626 w 4676127"/>
+                  <a:gd name="connsiteY3" fmla="*/ 0 h 2700510"/>
+                  <a:gd name="connsiteX4" fmla="*/ 4676127 w 4676127"/>
+                  <a:gd name="connsiteY4" fmla="*/ 226 h 2700510"/>
+                  <a:gd name="connsiteX5" fmla="*/ 3117718 w 4676127"/>
+                  <a:gd name="connsiteY5" fmla="*/ 2700510 h 2700510"/>
+                  <a:gd name="connsiteX6" fmla="*/ 0 w 4676127"/>
+                  <a:gd name="connsiteY6" fmla="*/ 2699988 h 2700510"/>
+                </a:gdLst>
+                <a:ahLst/>
+                <a:cxnLst>
+                  <a:cxn ang="0">
+                    <a:pos x="connsiteX0" y="connsiteY0"/>
+                  </a:cxn>
+                  <a:cxn ang="0">
+                    <a:pos x="connsiteX1" y="connsiteY1"/>
+                  </a:cxn>
+                  <a:cxn ang="0">
+                    <a:pos x="connsiteX2" y="connsiteY2"/>
+                  </a:cxn>
+                  <a:cxn ang="0">
+                    <a:pos x="connsiteX3" y="connsiteY3"/>
+                  </a:cxn>
+                  <a:cxn ang="0">
+                    <a:pos x="connsiteX4" y="connsiteY4"/>
+                  </a:cxn>
+                  <a:cxn ang="0">
+                    <a:pos x="connsiteX5" y="connsiteY5"/>
+                  </a:cxn>
+                  <a:cxn ang="0">
+                    <a:pos x="connsiteX6" y="connsiteY6"/>
+                  </a:cxn>
+                </a:cxnLst>
+                <a:rect l="l" t="t" r="r" b="b"/>
+                <a:pathLst>
+                  <a:path w="4676127" h="2700510">
+                    <a:moveTo>
+                      <a:pt x="0" y="2699988"/>
+                    </a:moveTo>
+                    <a:lnTo>
+                      <a:pt x="642230" y="1587184"/>
+                    </a:lnTo>
+                    <a:lnTo>
+                      <a:pt x="2410027" y="1587184"/>
+                    </a:lnTo>
+                    <a:lnTo>
+                      <a:pt x="3330626" y="0"/>
+                    </a:lnTo>
+                    <a:lnTo>
+                      <a:pt x="4676127" y="226"/>
+                    </a:lnTo>
+                    <a:lnTo>
+                      <a:pt x="3117718" y="2700510"/>
+                    </a:lnTo>
+                    <a:lnTo>
+                      <a:pt x="0" y="2699988"/>
+                    </a:lnTo>
+                    <a:close/>
+                  </a:path>
+                </a:pathLst>
+              </a:custGeom>
+              <a:solidFill>
+                <a:srgbClr val="F55A22"/>
+              </a:solidFill>
+              <a:ln w="95250" cap="rnd">
+                <a:noFill/>
+                <a:miter lim="800000"/>
+              </a:ln>
+            </p:spPr>
+            <p:style>
+              <a:lnRef idx="2">
+                <a:schemeClr val="accent1">
+                  <a:shade val="50000"/>
+                </a:schemeClr>
+              </a:lnRef>
+              <a:fillRef idx="1">
+                <a:schemeClr val="accent1"/>
+              </a:fillRef>
+              <a:effectRef idx="0">
+                <a:schemeClr val="accent1"/>
+              </a:effectRef>
+              <a:fontRef idx="minor">
+                <a:schemeClr val="lt1"/>
+              </a:fontRef>
+            </p:style>
+            <p:txBody>
+              <a:bodyPr wrap="square" rtlCol="0" anchor="ctr">
+                <a:noAutofit/>
+              </a:bodyPr>
+              <a:lstStyle/>
+              <a:p>
+                <a:pPr algn="ctr"/>
+                <a:endParaRPr lang="sv-SE" dirty="0"/>
+              </a:p>
+            </p:txBody>
+          </p:sp>
+          <p:sp>
+            <p:nvSpPr>
+              <p:cNvPr id="84" name="Frihandsfigur 83">
+                <a:extLst>
+                  <a:ext uri="{FF2B5EF4-FFF2-40B4-BE49-F238E27FC236}">
+                    <a16:creationId xmlns:a16="http://schemas.microsoft.com/office/drawing/2014/main" id="{FFB358FC-780A-42B4-551D-8A3CDB87C65C}"/>
+                  </a:ext>
+                </a:extLst>
+              </p:cNvPr>
+              <p:cNvSpPr/>
+              <p:nvPr/>
+            </p:nvSpPr>
+            <p:spPr>
+              <a:xfrm rot="5400000">
+                <a:off x="3446204" y="3077958"/>
+                <a:ext cx="4675083" cy="2700508"/>
+              </a:xfrm>
+              <a:custGeom>
+                <a:avLst/>
+                <a:gdLst>
+                  <a:gd name="connsiteX0" fmla="*/ 0 w 4675082"/>
+                  <a:gd name="connsiteY0" fmla="*/ 522 h 2700509"/>
+                  <a:gd name="connsiteX1" fmla="*/ 3116675 w 4675082"/>
+                  <a:gd name="connsiteY1" fmla="*/ 0 h 2700509"/>
+                  <a:gd name="connsiteX2" fmla="*/ 4675082 w 4675082"/>
+                  <a:gd name="connsiteY2" fmla="*/ 2700284 h 2700509"/>
+                  <a:gd name="connsiteX3" fmla="*/ 3329627 w 4675082"/>
+                  <a:gd name="connsiteY3" fmla="*/ 2700509 h 2700509"/>
+                  <a:gd name="connsiteX4" fmla="*/ 3331397 w 4675082"/>
+                  <a:gd name="connsiteY4" fmla="*/ 2697458 h 2700509"/>
+                  <a:gd name="connsiteX5" fmla="*/ 2408985 w 4675082"/>
+                  <a:gd name="connsiteY5" fmla="*/ 1107148 h 2700509"/>
+                  <a:gd name="connsiteX6" fmla="*/ 639408 w 4675082"/>
+                  <a:gd name="connsiteY6" fmla="*/ 1107148 h 2700509"/>
+                  <a:gd name="connsiteX7" fmla="*/ 0 w 4675082"/>
+                  <a:gd name="connsiteY7" fmla="*/ 522 h 2700509"/>
+                </a:gdLst>
+                <a:ahLst/>
+                <a:cxnLst>
+                  <a:cxn ang="0">
+                    <a:pos x="connsiteX0" y="connsiteY0"/>
+                  </a:cxn>
+                  <a:cxn ang="0">
+                    <a:pos x="connsiteX1" y="connsiteY1"/>
+                  </a:cxn>
+                  <a:cxn ang="0">
+                    <a:pos x="connsiteX2" y="connsiteY2"/>
+                  </a:cxn>
+                  <a:cxn ang="0">
+                    <a:pos x="connsiteX3" y="connsiteY3"/>
+                  </a:cxn>
+                  <a:cxn ang="0">
+                    <a:pos x="connsiteX4" y="connsiteY4"/>
+                  </a:cxn>
+                  <a:cxn ang="0">
+                    <a:pos x="connsiteX5" y="connsiteY5"/>
+                  </a:cxn>
+                  <a:cxn ang="0">
+                    <a:pos x="connsiteX6" y="connsiteY6"/>
+                  </a:cxn>
+                  <a:cxn ang="0">
+                    <a:pos x="connsiteX7" y="connsiteY7"/>
+                  </a:cxn>
+                </a:cxnLst>
+                <a:rect l="l" t="t" r="r" b="b"/>
+                <a:pathLst>
+                  <a:path w="4675082" h="2700509">
+                    <a:moveTo>
+                      <a:pt x="0" y="522"/>
+                    </a:moveTo>
+                    <a:lnTo>
+                      <a:pt x="3116675" y="0"/>
+                    </a:lnTo>
+                    <a:lnTo>
+                      <a:pt x="4675082" y="2700284"/>
+                    </a:lnTo>
+                    <a:lnTo>
+                      <a:pt x="3329627" y="2700509"/>
+                    </a:lnTo>
+                    <a:lnTo>
+                      <a:pt x="3331397" y="2697458"/>
+                    </a:lnTo>
+                    <a:lnTo>
+                      <a:pt x="2408985" y="1107148"/>
+                    </a:lnTo>
+                    <a:lnTo>
+                      <a:pt x="639408" y="1107148"/>
+                    </a:lnTo>
+                    <a:lnTo>
+                      <a:pt x="0" y="522"/>
+                    </a:lnTo>
+                    <a:close/>
+                  </a:path>
+                </a:pathLst>
+              </a:custGeom>
+              <a:solidFill>
+                <a:srgbClr val="7030A0"/>
+              </a:solidFill>
+              <a:ln w="95250" cap="rnd">
+                <a:noFill/>
+                <a:miter lim="800000"/>
+              </a:ln>
+            </p:spPr>
+            <p:style>
+              <a:lnRef idx="2">
+                <a:schemeClr val="accent1">
+                  <a:shade val="50000"/>
+                </a:schemeClr>
+              </a:lnRef>
+              <a:fillRef idx="1">
+                <a:schemeClr val="accent1"/>
+              </a:fillRef>
+              <a:effectRef idx="0">
+                <a:schemeClr val="accent1"/>
+              </a:effectRef>
+              <a:fontRef idx="minor">
+                <a:schemeClr val="lt1"/>
+              </a:fontRef>
+            </p:style>
+            <p:txBody>
+              <a:bodyPr wrap="square" rtlCol="0" anchor="ctr">
+                <a:noAutofit/>
+              </a:bodyPr>
+              <a:lstStyle/>
+              <a:p>
+                <a:pPr algn="ctr"/>
+                <a:endParaRPr lang="sv-SE" dirty="0"/>
+              </a:p>
+            </p:txBody>
+          </p:sp>
+        </p:grpSp>
+        <p:grpSp>
+          <p:nvGrpSpPr>
+            <p:cNvPr id="77" name="Group 88">
+              <a:extLst>
+                <a:ext uri="{FF2B5EF4-FFF2-40B4-BE49-F238E27FC236}">
+                  <a16:creationId xmlns:a16="http://schemas.microsoft.com/office/drawing/2014/main" id="{8E7653DD-D32E-5D98-6034-8AFBB0817493}"/>
+                </a:ext>
+              </a:extLst>
+            </p:cNvPr>
+            <p:cNvGrpSpPr/>
+            <p:nvPr/>
+          </p:nvGrpSpPr>
+          <p:grpSpPr>
+            <a:xfrm>
+              <a:off x="1985182" y="2463602"/>
+              <a:ext cx="792193" cy="898140"/>
+              <a:chOff x="3178679" y="2215083"/>
+              <a:chExt cx="1721001" cy="1951168"/>
+            </a:xfrm>
+            <a:solidFill>
+              <a:schemeClr val="tx1">
+                <a:lumMod val="50000"/>
+                <a:lumOff val="50000"/>
+              </a:schemeClr>
+            </a:solidFill>
+          </p:grpSpPr>
+          <p:sp>
+            <p:nvSpPr>
+              <p:cNvPr id="78" name="Freeform 90">
+                <a:extLst>
+                  <a:ext uri="{FF2B5EF4-FFF2-40B4-BE49-F238E27FC236}">
+                    <a16:creationId xmlns:a16="http://schemas.microsoft.com/office/drawing/2014/main" id="{941051E8-F06C-82D2-D773-44AA4CE60D32}"/>
                   </a:ext>
                 </a:extLst>
               </p:cNvPr>
@@ -3954,8 +4181,8 @@
             </p:nvSpPr>
             <p:spPr>
               <a:xfrm rot="9000000">
-                <a:off x="3178679" y="2558486"/>
-                <a:ext cx="922364" cy="1596968"/>
+                <a:off x="3178679" y="2569282"/>
+                <a:ext cx="922364" cy="1596969"/>
               </a:xfrm>
               <a:custGeom>
                 <a:avLst/>
@@ -4038,10 +4265,10 @@
           </p:sp>
           <p:sp>
             <p:nvSpPr>
-              <p:cNvPr id="228" name="Freeform 91">
+              <p:cNvPr id="79" name="Freeform 91">
                 <a:extLst>
                   <a:ext uri="{FF2B5EF4-FFF2-40B4-BE49-F238E27FC236}">
-                    <a16:creationId xmlns:a16="http://schemas.microsoft.com/office/drawing/2014/main" id="{F27FD3DD-A1F8-0B47-9585-2AB02EDBD4C6}"/>
+                    <a16:creationId xmlns:a16="http://schemas.microsoft.com/office/drawing/2014/main" id="{7B65277A-AB07-FAE4-B6E4-E93C72B1964F}"/>
                   </a:ext>
                 </a:extLst>
               </p:cNvPr>
@@ -4050,8 +4277,8 @@
             </p:nvSpPr>
             <p:spPr>
               <a:xfrm rot="12600000" flipH="1">
-                <a:off x="3977316" y="2558484"/>
-                <a:ext cx="922364" cy="1596966"/>
+                <a:off x="3977316" y="2569280"/>
+                <a:ext cx="922364" cy="1596967"/>
               </a:xfrm>
               <a:custGeom>
                 <a:avLst/>
@@ -4134,10 +4361,10 @@
           </p:sp>
           <p:sp>
             <p:nvSpPr>
-              <p:cNvPr id="229" name="Freeform 92">
+              <p:cNvPr id="80" name="Freeform 92">
                 <a:extLst>
                   <a:ext uri="{FF2B5EF4-FFF2-40B4-BE49-F238E27FC236}">
-                    <a16:creationId xmlns:a16="http://schemas.microsoft.com/office/drawing/2014/main" id="{7CE163FA-BA47-BE46-9668-EC2C607B0FEC}"/>
+                    <a16:creationId xmlns:a16="http://schemas.microsoft.com/office/drawing/2014/main" id="{12C5BCC4-2B32-C65D-BC7A-3E452BD4BC67}"/>
                   </a:ext>
                 </a:extLst>
               </p:cNvPr>
@@ -4146,8 +4373,8 @@
             </p:nvSpPr>
             <p:spPr>
               <a:xfrm rot="5400000">
-                <a:off x="3578912" y="1867301"/>
-                <a:ext cx="922365" cy="1596336"/>
+                <a:off x="3578911" y="1878097"/>
+                <a:ext cx="922365" cy="1596337"/>
               </a:xfrm>
               <a:custGeom>
                 <a:avLst/>
@@ -4229,62 +4456,6 @@
             </p:txBody>
           </p:sp>
         </p:grpSp>
-        <p:sp>
-          <p:nvSpPr>
-            <p:cNvPr id="226" name="Hexagon 89">
-              <a:extLst>
-                <a:ext uri="{FF2B5EF4-FFF2-40B4-BE49-F238E27FC236}">
-                  <a16:creationId xmlns:a16="http://schemas.microsoft.com/office/drawing/2014/main" id="{DC7C43A9-0C34-0648-9A00-289C6D078D7F}"/>
-                </a:ext>
-              </a:extLst>
-            </p:cNvPr>
-            <p:cNvSpPr/>
-            <p:nvPr/>
-          </p:nvSpPr>
-          <p:spPr>
-            <a:xfrm rot="5400000">
-              <a:off x="3130253" y="2825279"/>
-              <a:ext cx="956852" cy="841673"/>
-            </a:xfrm>
-            <a:prstGeom prst="hexagon">
-              <a:avLst>
-                <a:gd name="adj" fmla="val 29001"/>
-                <a:gd name="vf" fmla="val 115470"/>
-              </a:avLst>
-            </a:prstGeom>
-            <a:noFill/>
-            <a:ln w="95250" cap="rnd">
-              <a:solidFill>
-                <a:schemeClr val="bg1"/>
-              </a:solidFill>
-              <a:miter lim="800000"/>
-            </a:ln>
-          </p:spPr>
-          <p:style>
-            <a:lnRef idx="2">
-              <a:schemeClr val="accent1">
-                <a:shade val="50000"/>
-              </a:schemeClr>
-            </a:lnRef>
-            <a:fillRef idx="1">
-              <a:schemeClr val="accent1"/>
-            </a:fillRef>
-            <a:effectRef idx="0">
-              <a:schemeClr val="accent1"/>
-            </a:effectRef>
-            <a:fontRef idx="minor">
-              <a:schemeClr val="lt1"/>
-            </a:fontRef>
-          </p:style>
-          <p:txBody>
-            <a:bodyPr rtlCol="0" anchor="ctr"/>
-            <a:lstStyle/>
-            <a:p>
-              <a:pPr algn="ctr"/>
-              <a:endParaRPr lang="sv-SE" dirty="0"/>
-            </a:p>
-          </p:txBody>
-        </p:sp>
       </p:grpSp>
     </p:spTree>
     <p:extLst>
@@ -4296,13 +4467,13 @@
   <p:clrMapOvr>
     <a:masterClrMapping/>
   </p:clrMapOvr>
-  <mc:AlternateContent xmlns:mc="http://schemas.openxmlformats.org/markup-compatibility/2006">
-    <mc:Choice xmlns:p14="http://schemas.microsoft.com/office/powerpoint/2010/main" Requires="p14">
+  <mc:AlternateContent xmlns:mc="http://schemas.openxmlformats.org/markup-compatibility/2006" xmlns:p14="http://schemas.microsoft.com/office/powerpoint/2010/main">
+    <mc:Choice Requires="p14">
       <p:transition spd="med" p14:dur="700">
         <p:fade/>
       </p:transition>
     </mc:Choice>
-    <mc:Fallback>
+    <mc:Fallback xmlns="">
       <p:transition spd="med">
         <p:fade/>
       </p:transition>
@@ -4465,10 +4636,10 @@
       </p:sp>
       <p:grpSp>
         <p:nvGrpSpPr>
-          <p:cNvPr id="2" name="Grupp 1">
+          <p:cNvPr id="253" name="Grupp 252">
             <a:extLst>
               <a:ext uri="{FF2B5EF4-FFF2-40B4-BE49-F238E27FC236}">
-                <a16:creationId xmlns:a16="http://schemas.microsoft.com/office/drawing/2014/main" id="{2608043E-B232-A679-656C-41392812487F}"/>
+                <a16:creationId xmlns:a16="http://schemas.microsoft.com/office/drawing/2014/main" id="{4CCF1AA2-FE11-EDEE-CA7F-7F0425560EDC}"/>
               </a:ext>
             </a:extLst>
           </p:cNvPr>
@@ -4477,18 +4648,18 @@
         </p:nvGrpSpPr>
         <p:grpSpPr>
           <a:xfrm>
-            <a:off x="1524000" y="1971478"/>
-            <a:ext cx="1721001" cy="2018818"/>
-            <a:chOff x="2748753" y="2331968"/>
-            <a:chExt cx="1721001" cy="2018818"/>
+            <a:off x="1583149" y="1976420"/>
+            <a:ext cx="1604529" cy="2013870"/>
+            <a:chOff x="1578612" y="1976425"/>
+            <a:chExt cx="1604529" cy="2013870"/>
           </a:xfrm>
         </p:grpSpPr>
         <p:grpSp>
           <p:nvGrpSpPr>
-            <p:cNvPr id="223" name="Group 48">
+            <p:cNvPr id="254" name="Group 48">
               <a:extLst>
                 <a:ext uri="{FF2B5EF4-FFF2-40B4-BE49-F238E27FC236}">
-                  <a16:creationId xmlns:a16="http://schemas.microsoft.com/office/drawing/2014/main" id="{8B9EAA96-BC47-1A40-8460-03A9DEC7AC34}"/>
+                  <a16:creationId xmlns:a16="http://schemas.microsoft.com/office/drawing/2014/main" id="{3EE0EBA0-873F-E627-A8BF-6260D15C9D52}"/>
                 </a:ext>
               </a:extLst>
             </p:cNvPr>
@@ -4497,330 +4668,18 @@
           </p:nvGrpSpPr>
           <p:grpSpPr>
             <a:xfrm>
-              <a:off x="2748753" y="2331968"/>
-              <a:ext cx="1721001" cy="2018818"/>
-              <a:chOff x="4318921" y="3806601"/>
-              <a:chExt cx="1222250" cy="1433760"/>
+              <a:off x="1582445" y="3457359"/>
+              <a:ext cx="1600696" cy="532936"/>
+              <a:chOff x="4360429" y="4861871"/>
+              <a:chExt cx="1136810" cy="378490"/>
             </a:xfrm>
           </p:grpSpPr>
-          <p:grpSp>
-            <p:nvGrpSpPr>
-              <p:cNvPr id="230" name="Group 49">
+          <p:sp>
+            <p:nvSpPr>
+              <p:cNvPr id="264" name="Isosceles Triangle 50">
                 <a:extLst>
                   <a:ext uri="{FF2B5EF4-FFF2-40B4-BE49-F238E27FC236}">
-                    <a16:creationId xmlns:a16="http://schemas.microsoft.com/office/drawing/2014/main" id="{ED975A2C-B29B-FA41-B938-299BA46D99B6}"/>
-                  </a:ext>
-                </a:extLst>
-              </p:cNvPr>
-              <p:cNvGrpSpPr/>
-              <p:nvPr/>
-            </p:nvGrpSpPr>
-            <p:grpSpPr>
-              <a:xfrm>
-                <a:off x="4318921" y="3806601"/>
-                <a:ext cx="1222250" cy="1385712"/>
-                <a:chOff x="4070452" y="3534126"/>
-                <a:chExt cx="1723664" cy="1954185"/>
-              </a:xfrm>
-              <a:solidFill>
-                <a:srgbClr val="FFCC29"/>
-              </a:solidFill>
-            </p:grpSpPr>
-            <p:sp>
-              <p:nvSpPr>
-                <p:cNvPr id="233" name="Freeform 53">
-                  <a:extLst>
-                    <a:ext uri="{FF2B5EF4-FFF2-40B4-BE49-F238E27FC236}">
-                      <a16:creationId xmlns:a16="http://schemas.microsoft.com/office/drawing/2014/main" id="{22DCDF3D-DF15-1F4D-A943-2BB00CFBC6C3}"/>
-                    </a:ext>
-                  </a:extLst>
-                </p:cNvPr>
-                <p:cNvSpPr/>
-                <p:nvPr/>
-              </p:nvSpPr>
-              <p:spPr>
-                <a:xfrm rot="9000000">
-                  <a:off x="4070452" y="3888874"/>
-                  <a:ext cx="923791" cy="1599437"/>
-                </a:xfrm>
-                <a:custGeom>
-                  <a:avLst/>
-                  <a:gdLst>
-                    <a:gd name="connsiteX0" fmla="*/ 0 w 2013626"/>
-                    <a:gd name="connsiteY0" fmla="*/ 1735884 h 3471768"/>
-                    <a:gd name="connsiteX1" fmla="*/ 1006813 w 2013626"/>
-                    <a:gd name="connsiteY1" fmla="*/ 0 h 3471768"/>
-                    <a:gd name="connsiteX2" fmla="*/ 2013626 w 2013626"/>
-                    <a:gd name="connsiteY2" fmla="*/ 1735884 h 3471768"/>
-                    <a:gd name="connsiteX3" fmla="*/ 1006813 w 2013626"/>
-                    <a:gd name="connsiteY3" fmla="*/ 3471768 h 3471768"/>
-                  </a:gdLst>
-                  <a:ahLst/>
-                  <a:cxnLst>
-                    <a:cxn ang="0">
-                      <a:pos x="connsiteX0" y="connsiteY0"/>
-                    </a:cxn>
-                    <a:cxn ang="0">
-                      <a:pos x="connsiteX1" y="connsiteY1"/>
-                    </a:cxn>
-                    <a:cxn ang="0">
-                      <a:pos x="connsiteX2" y="connsiteY2"/>
-                    </a:cxn>
-                    <a:cxn ang="0">
-                      <a:pos x="connsiteX3" y="connsiteY3"/>
-                    </a:cxn>
-                  </a:cxnLst>
-                  <a:rect l="l" t="t" r="r" b="b"/>
-                  <a:pathLst>
-                    <a:path w="2013626" h="3471768">
-                      <a:moveTo>
-                        <a:pt x="0" y="1735884"/>
-                      </a:moveTo>
-                      <a:lnTo>
-                        <a:pt x="1006813" y="0"/>
-                      </a:lnTo>
-                      <a:lnTo>
-                        <a:pt x="2013626" y="1735884"/>
-                      </a:lnTo>
-                      <a:lnTo>
-                        <a:pt x="1006813" y="3471768"/>
-                      </a:lnTo>
-                      <a:close/>
-                    </a:path>
-                  </a:pathLst>
-                </a:custGeom>
-                <a:solidFill>
-                  <a:srgbClr val="F55A22"/>
-                </a:solidFill>
-                <a:ln cap="rnd">
-                  <a:noFill/>
-                  <a:round/>
-                </a:ln>
-              </p:spPr>
-              <p:style>
-                <a:lnRef idx="2">
-                  <a:schemeClr val="accent1">
-                    <a:shade val="50000"/>
-                  </a:schemeClr>
-                </a:lnRef>
-                <a:fillRef idx="1">
-                  <a:schemeClr val="accent1"/>
-                </a:fillRef>
-                <a:effectRef idx="0">
-                  <a:schemeClr val="accent1"/>
-                </a:effectRef>
-                <a:fontRef idx="minor">
-                  <a:schemeClr val="lt1"/>
-                </a:fontRef>
-              </p:style>
-              <p:txBody>
-                <a:bodyPr rtlCol="0" anchor="ctr"/>
-                <a:lstStyle/>
-                <a:p>
-                  <a:pPr algn="ctr"/>
-                  <a:endParaRPr lang="sv-SE"/>
-                </a:p>
-              </p:txBody>
-            </p:sp>
-            <p:sp>
-              <p:nvSpPr>
-                <p:cNvPr id="234" name="Freeform 54">
-                  <a:extLst>
-                    <a:ext uri="{FF2B5EF4-FFF2-40B4-BE49-F238E27FC236}">
-                      <a16:creationId xmlns:a16="http://schemas.microsoft.com/office/drawing/2014/main" id="{D0540F80-DDE9-484E-9004-22C460DB9D7E}"/>
-                    </a:ext>
-                  </a:extLst>
-                </p:cNvPr>
-                <p:cNvSpPr/>
-                <p:nvPr/>
-              </p:nvSpPr>
-              <p:spPr>
-                <a:xfrm rot="12600000" flipH="1">
-                  <a:off x="4870325" y="3888874"/>
-                  <a:ext cx="923791" cy="1599436"/>
-                </a:xfrm>
-                <a:custGeom>
-                  <a:avLst/>
-                  <a:gdLst>
-                    <a:gd name="connsiteX0" fmla="*/ 0 w 2013626"/>
-                    <a:gd name="connsiteY0" fmla="*/ 1735884 h 3471768"/>
-                    <a:gd name="connsiteX1" fmla="*/ 1006813 w 2013626"/>
-                    <a:gd name="connsiteY1" fmla="*/ 0 h 3471768"/>
-                    <a:gd name="connsiteX2" fmla="*/ 2013626 w 2013626"/>
-                    <a:gd name="connsiteY2" fmla="*/ 1735884 h 3471768"/>
-                    <a:gd name="connsiteX3" fmla="*/ 1006813 w 2013626"/>
-                    <a:gd name="connsiteY3" fmla="*/ 3471768 h 3471768"/>
-                  </a:gdLst>
-                  <a:ahLst/>
-                  <a:cxnLst>
-                    <a:cxn ang="0">
-                      <a:pos x="connsiteX0" y="connsiteY0"/>
-                    </a:cxn>
-                    <a:cxn ang="0">
-                      <a:pos x="connsiteX1" y="connsiteY1"/>
-                    </a:cxn>
-                    <a:cxn ang="0">
-                      <a:pos x="connsiteX2" y="connsiteY2"/>
-                    </a:cxn>
-                    <a:cxn ang="0">
-                      <a:pos x="connsiteX3" y="connsiteY3"/>
-                    </a:cxn>
-                  </a:cxnLst>
-                  <a:rect l="l" t="t" r="r" b="b"/>
-                  <a:pathLst>
-                    <a:path w="2013626" h="3471768">
-                      <a:moveTo>
-                        <a:pt x="0" y="1735884"/>
-                      </a:moveTo>
-                      <a:lnTo>
-                        <a:pt x="1006813" y="0"/>
-                      </a:lnTo>
-                      <a:lnTo>
-                        <a:pt x="2013626" y="1735884"/>
-                      </a:lnTo>
-                      <a:lnTo>
-                        <a:pt x="1006813" y="3471768"/>
-                      </a:lnTo>
-                      <a:close/>
-                    </a:path>
-                  </a:pathLst>
-                </a:custGeom>
-                <a:solidFill>
-                  <a:srgbClr val="7030A0"/>
-                </a:solidFill>
-                <a:ln cap="rnd">
-                  <a:noFill/>
-                  <a:round/>
-                </a:ln>
-              </p:spPr>
-              <p:style>
-                <a:lnRef idx="2">
-                  <a:schemeClr val="accent1">
-                    <a:shade val="50000"/>
-                  </a:schemeClr>
-                </a:lnRef>
-                <a:fillRef idx="1">
-                  <a:schemeClr val="accent1"/>
-                </a:fillRef>
-                <a:effectRef idx="0">
-                  <a:schemeClr val="accent1"/>
-                </a:effectRef>
-                <a:fontRef idx="minor">
-                  <a:schemeClr val="lt1"/>
-                </a:fontRef>
-              </p:style>
-              <p:txBody>
-                <a:bodyPr rtlCol="0" anchor="ctr"/>
-                <a:lstStyle/>
-                <a:p>
-                  <a:pPr algn="ctr"/>
-                  <a:endParaRPr lang="sv-SE"/>
-                </a:p>
-              </p:txBody>
-            </p:sp>
-            <p:sp>
-              <p:nvSpPr>
-                <p:cNvPr id="235" name="Freeform 55">
-                  <a:extLst>
-                    <a:ext uri="{FF2B5EF4-FFF2-40B4-BE49-F238E27FC236}">
-                      <a16:creationId xmlns:a16="http://schemas.microsoft.com/office/drawing/2014/main" id="{1AA7F713-F5B9-1E4A-9ECE-3110076894E1}"/>
-                    </a:ext>
-                  </a:extLst>
-                </p:cNvPr>
-                <p:cNvSpPr/>
-                <p:nvPr/>
-              </p:nvSpPr>
-              <p:spPr>
-                <a:xfrm rot="5400000">
-                  <a:off x="4471304" y="3196619"/>
-                  <a:ext cx="923791" cy="1598806"/>
-                </a:xfrm>
-                <a:custGeom>
-                  <a:avLst/>
-                  <a:gdLst>
-                    <a:gd name="connsiteX0" fmla="*/ 0 w 2013626"/>
-                    <a:gd name="connsiteY0" fmla="*/ 1735884 h 3471768"/>
-                    <a:gd name="connsiteX1" fmla="*/ 1006813 w 2013626"/>
-                    <a:gd name="connsiteY1" fmla="*/ 0 h 3471768"/>
-                    <a:gd name="connsiteX2" fmla="*/ 2013626 w 2013626"/>
-                    <a:gd name="connsiteY2" fmla="*/ 1735884 h 3471768"/>
-                    <a:gd name="connsiteX3" fmla="*/ 1006813 w 2013626"/>
-                    <a:gd name="connsiteY3" fmla="*/ 3471768 h 3471768"/>
-                  </a:gdLst>
-                  <a:ahLst/>
-                  <a:cxnLst>
-                    <a:cxn ang="0">
-                      <a:pos x="connsiteX0" y="connsiteY0"/>
-                    </a:cxn>
-                    <a:cxn ang="0">
-                      <a:pos x="connsiteX1" y="connsiteY1"/>
-                    </a:cxn>
-                    <a:cxn ang="0">
-                      <a:pos x="connsiteX2" y="connsiteY2"/>
-                    </a:cxn>
-                    <a:cxn ang="0">
-                      <a:pos x="connsiteX3" y="connsiteY3"/>
-                    </a:cxn>
-                  </a:cxnLst>
-                  <a:rect l="l" t="t" r="r" b="b"/>
-                  <a:pathLst>
-                    <a:path w="2013626" h="3471768">
-                      <a:moveTo>
-                        <a:pt x="0" y="1735884"/>
-                      </a:moveTo>
-                      <a:lnTo>
-                        <a:pt x="1006813" y="0"/>
-                      </a:lnTo>
-                      <a:lnTo>
-                        <a:pt x="2013626" y="1735884"/>
-                      </a:lnTo>
-                      <a:lnTo>
-                        <a:pt x="1006813" y="3471768"/>
-                      </a:lnTo>
-                      <a:close/>
-                    </a:path>
-                  </a:pathLst>
-                </a:custGeom>
-                <a:solidFill>
-                  <a:srgbClr val="FFC001"/>
-                </a:solidFill>
-                <a:ln cap="rnd">
-                  <a:noFill/>
-                  <a:round/>
-                </a:ln>
-              </p:spPr>
-              <p:style>
-                <a:lnRef idx="2">
-                  <a:schemeClr val="accent1">
-                    <a:shade val="50000"/>
-                  </a:schemeClr>
-                </a:lnRef>
-                <a:fillRef idx="1">
-                  <a:schemeClr val="accent1"/>
-                </a:fillRef>
-                <a:effectRef idx="0">
-                  <a:schemeClr val="accent1"/>
-                </a:effectRef>
-                <a:fontRef idx="minor">
-                  <a:schemeClr val="lt1"/>
-                </a:fontRef>
-              </p:style>
-              <p:txBody>
-                <a:bodyPr rtlCol="0" anchor="ctr"/>
-                <a:lstStyle/>
-                <a:p>
-                  <a:pPr algn="ctr"/>
-                  <a:endParaRPr lang="sv-SE" dirty="0"/>
-                </a:p>
-              </p:txBody>
-            </p:sp>
-          </p:grpSp>
-          <p:sp>
-            <p:nvSpPr>
-              <p:cNvPr id="231" name="Isosceles Triangle 50">
-                <a:extLst>
-                  <a:ext uri="{FF2B5EF4-FFF2-40B4-BE49-F238E27FC236}">
-                    <a16:creationId xmlns:a16="http://schemas.microsoft.com/office/drawing/2014/main" id="{2E283E7A-548B-8B49-AB7A-FEA2BB580665}"/>
+                    <a16:creationId xmlns:a16="http://schemas.microsoft.com/office/drawing/2014/main" id="{F5EFCF17-C594-485A-C1AF-ADD875D26153}"/>
                   </a:ext>
                 </a:extLst>
               </p:cNvPr>
@@ -4869,10 +4728,10 @@
           </p:sp>
           <p:sp>
             <p:nvSpPr>
-              <p:cNvPr id="232" name="Isosceles Triangle 51">
+              <p:cNvPr id="265" name="Isosceles Triangle 51">
                 <a:extLst>
                   <a:ext uri="{FF2B5EF4-FFF2-40B4-BE49-F238E27FC236}">
-                    <a16:creationId xmlns:a16="http://schemas.microsoft.com/office/drawing/2014/main" id="{EAE658B0-5A46-8241-937E-9A54114A1E5E}"/>
+                    <a16:creationId xmlns:a16="http://schemas.microsoft.com/office/drawing/2014/main" id="{397C5092-FA08-3786-EE20-87C9678AC64B}"/>
                   </a:ext>
                 </a:extLst>
               </p:cNvPr>
@@ -4922,10 +4781,10 @@
         </p:grpSp>
         <p:grpSp>
           <p:nvGrpSpPr>
-            <p:cNvPr id="225" name="Group 88">
+            <p:cNvPr id="255" name="Grupp 254">
               <a:extLst>
                 <a:ext uri="{FF2B5EF4-FFF2-40B4-BE49-F238E27FC236}">
-                  <a16:creationId xmlns:a16="http://schemas.microsoft.com/office/drawing/2014/main" id="{48B1D7EC-86D2-874A-83FF-360592CDEE5D}"/>
+                  <a16:creationId xmlns:a16="http://schemas.microsoft.com/office/drawing/2014/main" id="{E3E994AB-A6D5-B635-F406-DFEDD0B1AFA6}"/>
                 </a:ext>
               </a:extLst>
             </p:cNvPr>
@@ -4934,18 +4793,557 @@
           </p:nvGrpSpPr>
           <p:grpSpPr>
             <a:xfrm>
-              <a:off x="3185804" y="2799774"/>
-              <a:ext cx="845749" cy="958859"/>
-              <a:chOff x="3178679" y="2204286"/>
-              <a:chExt cx="1721001" cy="1951168"/>
+              <a:off x="1578612" y="1976425"/>
+              <a:ext cx="1599312" cy="1845932"/>
+              <a:chOff x="1732910" y="530348"/>
+              <a:chExt cx="5402338" cy="6235405"/>
             </a:xfrm>
           </p:grpSpPr>
           <p:sp>
             <p:nvSpPr>
-              <p:cNvPr id="227" name="Freeform 90">
+              <p:cNvPr id="260" name="Frihandsfigur 259">
                 <a:extLst>
                   <a:ext uri="{FF2B5EF4-FFF2-40B4-BE49-F238E27FC236}">
-                    <a16:creationId xmlns:a16="http://schemas.microsoft.com/office/drawing/2014/main" id="{93F8B7CD-2CB0-264A-A885-270592534434}"/>
+                    <a16:creationId xmlns:a16="http://schemas.microsoft.com/office/drawing/2014/main" id="{D14B1610-A708-3DA8-8925-46D25386FAB1}"/>
+                  </a:ext>
+                </a:extLst>
+              </p:cNvPr>
+              <p:cNvSpPr/>
+              <p:nvPr/>
+            </p:nvSpPr>
+            <p:spPr>
+              <a:xfrm rot="5400000">
+                <a:off x="6259806" y="1801250"/>
+                <a:ext cx="640450" cy="1106895"/>
+              </a:xfrm>
+              <a:custGeom>
+                <a:avLst/>
+                <a:gdLst>
+                  <a:gd name="connsiteX0" fmla="*/ 0 w 640450"/>
+                  <a:gd name="connsiteY0" fmla="*/ 0 h 1106895"/>
+                  <a:gd name="connsiteX1" fmla="*/ 1042 w 640450"/>
+                  <a:gd name="connsiteY1" fmla="*/ 0 h 1106895"/>
+                  <a:gd name="connsiteX2" fmla="*/ 640450 w 640450"/>
+                  <a:gd name="connsiteY2" fmla="*/ 1106626 h 1106895"/>
+                  <a:gd name="connsiteX3" fmla="*/ 638975 w 640450"/>
+                  <a:gd name="connsiteY3" fmla="*/ 1106626 h 1106895"/>
+                  <a:gd name="connsiteX4" fmla="*/ 638818 w 640450"/>
+                  <a:gd name="connsiteY4" fmla="*/ 1106895 h 1106895"/>
+                  <a:gd name="connsiteX5" fmla="*/ 0 w 640450"/>
+                  <a:gd name="connsiteY5" fmla="*/ 0 h 1106895"/>
+                </a:gdLst>
+                <a:ahLst/>
+                <a:cxnLst>
+                  <a:cxn ang="0">
+                    <a:pos x="connsiteX0" y="connsiteY0"/>
+                  </a:cxn>
+                  <a:cxn ang="0">
+                    <a:pos x="connsiteX1" y="connsiteY1"/>
+                  </a:cxn>
+                  <a:cxn ang="0">
+                    <a:pos x="connsiteX2" y="connsiteY2"/>
+                  </a:cxn>
+                  <a:cxn ang="0">
+                    <a:pos x="connsiteX3" y="connsiteY3"/>
+                  </a:cxn>
+                  <a:cxn ang="0">
+                    <a:pos x="connsiteX4" y="connsiteY4"/>
+                  </a:cxn>
+                  <a:cxn ang="0">
+                    <a:pos x="connsiteX5" y="connsiteY5"/>
+                  </a:cxn>
+                </a:cxnLst>
+                <a:rect l="l" t="t" r="r" b="b"/>
+                <a:pathLst>
+                  <a:path w="640450" h="1106895">
+                    <a:moveTo>
+                      <a:pt x="0" y="0"/>
+                    </a:moveTo>
+                    <a:lnTo>
+                      <a:pt x="1042" y="0"/>
+                    </a:lnTo>
+                    <a:lnTo>
+                      <a:pt x="640450" y="1106626"/>
+                    </a:lnTo>
+                    <a:lnTo>
+                      <a:pt x="638975" y="1106626"/>
+                    </a:lnTo>
+                    <a:lnTo>
+                      <a:pt x="638818" y="1106895"/>
+                    </a:lnTo>
+                    <a:lnTo>
+                      <a:pt x="0" y="0"/>
+                    </a:lnTo>
+                    <a:close/>
+                  </a:path>
+                </a:pathLst>
+              </a:custGeom>
+              <a:solidFill>
+                <a:schemeClr val="accent2"/>
+              </a:solidFill>
+              <a:ln w="95250" cap="rnd">
+                <a:noFill/>
+                <a:miter lim="800000"/>
+              </a:ln>
+            </p:spPr>
+            <p:style>
+              <a:lnRef idx="2">
+                <a:schemeClr val="accent1">
+                  <a:shade val="50000"/>
+                </a:schemeClr>
+              </a:lnRef>
+              <a:fillRef idx="1">
+                <a:schemeClr val="accent1"/>
+              </a:fillRef>
+              <a:effectRef idx="0">
+                <a:schemeClr val="accent1"/>
+              </a:effectRef>
+              <a:fontRef idx="minor">
+                <a:schemeClr val="lt1"/>
+              </a:fontRef>
+            </p:style>
+            <p:txBody>
+              <a:bodyPr wrap="square" rtlCol="0" anchor="ctr">
+                <a:noAutofit/>
+              </a:bodyPr>
+              <a:lstStyle/>
+              <a:p>
+                <a:pPr algn="ctr"/>
+                <a:endParaRPr lang="sv-SE" dirty="0"/>
+              </a:p>
+            </p:txBody>
+          </p:sp>
+          <p:sp>
+            <p:nvSpPr>
+              <p:cNvPr id="261" name="Frihandsfigur 260">
+                <a:extLst>
+                  <a:ext uri="{FF2B5EF4-FFF2-40B4-BE49-F238E27FC236}">
+                    <a16:creationId xmlns:a16="http://schemas.microsoft.com/office/drawing/2014/main" id="{E4110F20-B391-0BAC-739E-B2AEEA22089D}"/>
+                  </a:ext>
+                </a:extLst>
+              </p:cNvPr>
+              <p:cNvSpPr/>
+              <p:nvPr/>
+            </p:nvSpPr>
+            <p:spPr>
+              <a:xfrm rot="5400000">
+                <a:off x="3336676" y="-1068488"/>
+                <a:ext cx="2199736" cy="5397408"/>
+              </a:xfrm>
+              <a:custGeom>
+                <a:avLst/>
+                <a:gdLst>
+                  <a:gd name="connsiteX0" fmla="*/ 0 w 2199737"/>
+                  <a:gd name="connsiteY0" fmla="*/ 2698702 h 5397403"/>
+                  <a:gd name="connsiteX1" fmla="*/ 1559309 w 2199737"/>
+                  <a:gd name="connsiteY1" fmla="*/ 0 h 5397403"/>
+                  <a:gd name="connsiteX2" fmla="*/ 1560328 w 2199737"/>
+                  <a:gd name="connsiteY2" fmla="*/ 1765 h 5397403"/>
+                  <a:gd name="connsiteX3" fmla="*/ 1559286 w 2199737"/>
+                  <a:gd name="connsiteY3" fmla="*/ 1765 h 5397403"/>
+                  <a:gd name="connsiteX4" fmla="*/ 2198104 w 2199737"/>
+                  <a:gd name="connsiteY4" fmla="*/ 1108660 h 5397403"/>
+                  <a:gd name="connsiteX5" fmla="*/ 1275848 w 2199737"/>
+                  <a:gd name="connsiteY5" fmla="*/ 2698701 h 5397403"/>
+                  <a:gd name="connsiteX6" fmla="*/ 2198260 w 2199737"/>
+                  <a:gd name="connsiteY6" fmla="*/ 4289011 h 5397403"/>
+                  <a:gd name="connsiteX7" fmla="*/ 2199737 w 2199737"/>
+                  <a:gd name="connsiteY7" fmla="*/ 4289011 h 5397403"/>
+                  <a:gd name="connsiteX8" fmla="*/ 1559308 w 2199737"/>
+                  <a:gd name="connsiteY8" fmla="*/ 5397403 h 5397403"/>
+                  <a:gd name="connsiteX9" fmla="*/ 0 w 2199737"/>
+                  <a:gd name="connsiteY9" fmla="*/ 2698702 h 5397403"/>
+                </a:gdLst>
+                <a:ahLst/>
+                <a:cxnLst>
+                  <a:cxn ang="0">
+                    <a:pos x="connsiteX0" y="connsiteY0"/>
+                  </a:cxn>
+                  <a:cxn ang="0">
+                    <a:pos x="connsiteX1" y="connsiteY1"/>
+                  </a:cxn>
+                  <a:cxn ang="0">
+                    <a:pos x="connsiteX2" y="connsiteY2"/>
+                  </a:cxn>
+                  <a:cxn ang="0">
+                    <a:pos x="connsiteX3" y="connsiteY3"/>
+                  </a:cxn>
+                  <a:cxn ang="0">
+                    <a:pos x="connsiteX4" y="connsiteY4"/>
+                  </a:cxn>
+                  <a:cxn ang="0">
+                    <a:pos x="connsiteX5" y="connsiteY5"/>
+                  </a:cxn>
+                  <a:cxn ang="0">
+                    <a:pos x="connsiteX6" y="connsiteY6"/>
+                  </a:cxn>
+                  <a:cxn ang="0">
+                    <a:pos x="connsiteX7" y="connsiteY7"/>
+                  </a:cxn>
+                  <a:cxn ang="0">
+                    <a:pos x="connsiteX8" y="connsiteY8"/>
+                  </a:cxn>
+                  <a:cxn ang="0">
+                    <a:pos x="connsiteX9" y="connsiteY9"/>
+                  </a:cxn>
+                </a:cxnLst>
+                <a:rect l="l" t="t" r="r" b="b"/>
+                <a:pathLst>
+                  <a:path w="2199737" h="5397403">
+                    <a:moveTo>
+                      <a:pt x="0" y="2698702"/>
+                    </a:moveTo>
+                    <a:lnTo>
+                      <a:pt x="1559309" y="0"/>
+                    </a:lnTo>
+                    <a:lnTo>
+                      <a:pt x="1560328" y="1765"/>
+                    </a:lnTo>
+                    <a:lnTo>
+                      <a:pt x="1559286" y="1765"/>
+                    </a:lnTo>
+                    <a:lnTo>
+                      <a:pt x="2198104" y="1108660"/>
+                    </a:lnTo>
+                    <a:lnTo>
+                      <a:pt x="1275848" y="2698701"/>
+                    </a:lnTo>
+                    <a:lnTo>
+                      <a:pt x="2198260" y="4289011"/>
+                    </a:lnTo>
+                    <a:lnTo>
+                      <a:pt x="2199737" y="4289011"/>
+                    </a:lnTo>
+                    <a:lnTo>
+                      <a:pt x="1559308" y="5397403"/>
+                    </a:lnTo>
+                    <a:lnTo>
+                      <a:pt x="0" y="2698702"/>
+                    </a:lnTo>
+                    <a:close/>
+                  </a:path>
+                </a:pathLst>
+              </a:custGeom>
+              <a:solidFill>
+                <a:srgbClr val="FFC004"/>
+              </a:solidFill>
+              <a:ln w="95250" cap="rnd">
+                <a:noFill/>
+                <a:miter lim="800000"/>
+              </a:ln>
+            </p:spPr>
+            <p:style>
+              <a:lnRef idx="2">
+                <a:schemeClr val="accent1">
+                  <a:shade val="50000"/>
+                </a:schemeClr>
+              </a:lnRef>
+              <a:fillRef idx="1">
+                <a:schemeClr val="accent1"/>
+              </a:fillRef>
+              <a:effectRef idx="0">
+                <a:schemeClr val="accent1"/>
+              </a:effectRef>
+              <a:fontRef idx="minor">
+                <a:schemeClr val="lt1"/>
+              </a:fontRef>
+            </p:style>
+            <p:txBody>
+              <a:bodyPr wrap="square" rtlCol="0" anchor="ctr">
+                <a:noAutofit/>
+              </a:bodyPr>
+              <a:lstStyle/>
+              <a:p>
+                <a:pPr algn="ctr"/>
+                <a:endParaRPr lang="sv-SE" dirty="0"/>
+              </a:p>
+            </p:txBody>
+          </p:sp>
+          <p:sp>
+            <p:nvSpPr>
+              <p:cNvPr id="262" name="Frihandsfigur 261">
+                <a:extLst>
+                  <a:ext uri="{FF2B5EF4-FFF2-40B4-BE49-F238E27FC236}">
+                    <a16:creationId xmlns:a16="http://schemas.microsoft.com/office/drawing/2014/main" id="{806029DD-EEE7-C633-070F-D99E8D89E908}"/>
+                  </a:ext>
+                </a:extLst>
+              </p:cNvPr>
+              <p:cNvSpPr/>
+              <p:nvPr/>
+            </p:nvSpPr>
+            <p:spPr>
+              <a:xfrm rot="5400000">
+                <a:off x="745101" y="3077433"/>
+                <a:ext cx="4676126" cy="2700508"/>
+              </a:xfrm>
+              <a:custGeom>
+                <a:avLst/>
+                <a:gdLst>
+                  <a:gd name="connsiteX0" fmla="*/ 0 w 4676127"/>
+                  <a:gd name="connsiteY0" fmla="*/ 2699988 h 2700510"/>
+                  <a:gd name="connsiteX1" fmla="*/ 642230 w 4676127"/>
+                  <a:gd name="connsiteY1" fmla="*/ 1587184 h 2700510"/>
+                  <a:gd name="connsiteX2" fmla="*/ 2410027 w 4676127"/>
+                  <a:gd name="connsiteY2" fmla="*/ 1587184 h 2700510"/>
+                  <a:gd name="connsiteX3" fmla="*/ 3330626 w 4676127"/>
+                  <a:gd name="connsiteY3" fmla="*/ 0 h 2700510"/>
+                  <a:gd name="connsiteX4" fmla="*/ 4676127 w 4676127"/>
+                  <a:gd name="connsiteY4" fmla="*/ 226 h 2700510"/>
+                  <a:gd name="connsiteX5" fmla="*/ 3117718 w 4676127"/>
+                  <a:gd name="connsiteY5" fmla="*/ 2700510 h 2700510"/>
+                  <a:gd name="connsiteX6" fmla="*/ 0 w 4676127"/>
+                  <a:gd name="connsiteY6" fmla="*/ 2699988 h 2700510"/>
+                </a:gdLst>
+                <a:ahLst/>
+                <a:cxnLst>
+                  <a:cxn ang="0">
+                    <a:pos x="connsiteX0" y="connsiteY0"/>
+                  </a:cxn>
+                  <a:cxn ang="0">
+                    <a:pos x="connsiteX1" y="connsiteY1"/>
+                  </a:cxn>
+                  <a:cxn ang="0">
+                    <a:pos x="connsiteX2" y="connsiteY2"/>
+                  </a:cxn>
+                  <a:cxn ang="0">
+                    <a:pos x="connsiteX3" y="connsiteY3"/>
+                  </a:cxn>
+                  <a:cxn ang="0">
+                    <a:pos x="connsiteX4" y="connsiteY4"/>
+                  </a:cxn>
+                  <a:cxn ang="0">
+                    <a:pos x="connsiteX5" y="connsiteY5"/>
+                  </a:cxn>
+                  <a:cxn ang="0">
+                    <a:pos x="connsiteX6" y="connsiteY6"/>
+                  </a:cxn>
+                </a:cxnLst>
+                <a:rect l="l" t="t" r="r" b="b"/>
+                <a:pathLst>
+                  <a:path w="4676127" h="2700510">
+                    <a:moveTo>
+                      <a:pt x="0" y="2699988"/>
+                    </a:moveTo>
+                    <a:lnTo>
+                      <a:pt x="642230" y="1587184"/>
+                    </a:lnTo>
+                    <a:lnTo>
+                      <a:pt x="2410027" y="1587184"/>
+                    </a:lnTo>
+                    <a:lnTo>
+                      <a:pt x="3330626" y="0"/>
+                    </a:lnTo>
+                    <a:lnTo>
+                      <a:pt x="4676127" y="226"/>
+                    </a:lnTo>
+                    <a:lnTo>
+                      <a:pt x="3117718" y="2700510"/>
+                    </a:lnTo>
+                    <a:lnTo>
+                      <a:pt x="0" y="2699988"/>
+                    </a:lnTo>
+                    <a:close/>
+                  </a:path>
+                </a:pathLst>
+              </a:custGeom>
+              <a:solidFill>
+                <a:srgbClr val="F55A22"/>
+              </a:solidFill>
+              <a:ln w="95250" cap="rnd">
+                <a:noFill/>
+                <a:miter lim="800000"/>
+              </a:ln>
+            </p:spPr>
+            <p:style>
+              <a:lnRef idx="2">
+                <a:schemeClr val="accent1">
+                  <a:shade val="50000"/>
+                </a:schemeClr>
+              </a:lnRef>
+              <a:fillRef idx="1">
+                <a:schemeClr val="accent1"/>
+              </a:fillRef>
+              <a:effectRef idx="0">
+                <a:schemeClr val="accent1"/>
+              </a:effectRef>
+              <a:fontRef idx="minor">
+                <a:schemeClr val="lt1"/>
+              </a:fontRef>
+            </p:style>
+            <p:txBody>
+              <a:bodyPr wrap="square" rtlCol="0" anchor="ctr">
+                <a:noAutofit/>
+              </a:bodyPr>
+              <a:lstStyle/>
+              <a:p>
+                <a:pPr algn="ctr"/>
+                <a:endParaRPr lang="sv-SE" dirty="0"/>
+              </a:p>
+            </p:txBody>
+          </p:sp>
+          <p:sp>
+            <p:nvSpPr>
+              <p:cNvPr id="263" name="Frihandsfigur 262">
+                <a:extLst>
+                  <a:ext uri="{FF2B5EF4-FFF2-40B4-BE49-F238E27FC236}">
+                    <a16:creationId xmlns:a16="http://schemas.microsoft.com/office/drawing/2014/main" id="{AAB4A2E9-2950-ED43-4A07-B06ACBF6B07E}"/>
+                  </a:ext>
+                </a:extLst>
+              </p:cNvPr>
+              <p:cNvSpPr/>
+              <p:nvPr/>
+            </p:nvSpPr>
+            <p:spPr>
+              <a:xfrm rot="5400000">
+                <a:off x="3446204" y="3077958"/>
+                <a:ext cx="4675083" cy="2700508"/>
+              </a:xfrm>
+              <a:custGeom>
+                <a:avLst/>
+                <a:gdLst>
+                  <a:gd name="connsiteX0" fmla="*/ 0 w 4675082"/>
+                  <a:gd name="connsiteY0" fmla="*/ 522 h 2700509"/>
+                  <a:gd name="connsiteX1" fmla="*/ 3116675 w 4675082"/>
+                  <a:gd name="connsiteY1" fmla="*/ 0 h 2700509"/>
+                  <a:gd name="connsiteX2" fmla="*/ 4675082 w 4675082"/>
+                  <a:gd name="connsiteY2" fmla="*/ 2700284 h 2700509"/>
+                  <a:gd name="connsiteX3" fmla="*/ 3329627 w 4675082"/>
+                  <a:gd name="connsiteY3" fmla="*/ 2700509 h 2700509"/>
+                  <a:gd name="connsiteX4" fmla="*/ 3331397 w 4675082"/>
+                  <a:gd name="connsiteY4" fmla="*/ 2697458 h 2700509"/>
+                  <a:gd name="connsiteX5" fmla="*/ 2408985 w 4675082"/>
+                  <a:gd name="connsiteY5" fmla="*/ 1107148 h 2700509"/>
+                  <a:gd name="connsiteX6" fmla="*/ 639408 w 4675082"/>
+                  <a:gd name="connsiteY6" fmla="*/ 1107148 h 2700509"/>
+                  <a:gd name="connsiteX7" fmla="*/ 0 w 4675082"/>
+                  <a:gd name="connsiteY7" fmla="*/ 522 h 2700509"/>
+                </a:gdLst>
+                <a:ahLst/>
+                <a:cxnLst>
+                  <a:cxn ang="0">
+                    <a:pos x="connsiteX0" y="connsiteY0"/>
+                  </a:cxn>
+                  <a:cxn ang="0">
+                    <a:pos x="connsiteX1" y="connsiteY1"/>
+                  </a:cxn>
+                  <a:cxn ang="0">
+                    <a:pos x="connsiteX2" y="connsiteY2"/>
+                  </a:cxn>
+                  <a:cxn ang="0">
+                    <a:pos x="connsiteX3" y="connsiteY3"/>
+                  </a:cxn>
+                  <a:cxn ang="0">
+                    <a:pos x="connsiteX4" y="connsiteY4"/>
+                  </a:cxn>
+                  <a:cxn ang="0">
+                    <a:pos x="connsiteX5" y="connsiteY5"/>
+                  </a:cxn>
+                  <a:cxn ang="0">
+                    <a:pos x="connsiteX6" y="connsiteY6"/>
+                  </a:cxn>
+                  <a:cxn ang="0">
+                    <a:pos x="connsiteX7" y="connsiteY7"/>
+                  </a:cxn>
+                </a:cxnLst>
+                <a:rect l="l" t="t" r="r" b="b"/>
+                <a:pathLst>
+                  <a:path w="4675082" h="2700509">
+                    <a:moveTo>
+                      <a:pt x="0" y="522"/>
+                    </a:moveTo>
+                    <a:lnTo>
+                      <a:pt x="3116675" y="0"/>
+                    </a:lnTo>
+                    <a:lnTo>
+                      <a:pt x="4675082" y="2700284"/>
+                    </a:lnTo>
+                    <a:lnTo>
+                      <a:pt x="3329627" y="2700509"/>
+                    </a:lnTo>
+                    <a:lnTo>
+                      <a:pt x="3331397" y="2697458"/>
+                    </a:lnTo>
+                    <a:lnTo>
+                      <a:pt x="2408985" y="1107148"/>
+                    </a:lnTo>
+                    <a:lnTo>
+                      <a:pt x="639408" y="1107148"/>
+                    </a:lnTo>
+                    <a:lnTo>
+                      <a:pt x="0" y="522"/>
+                    </a:lnTo>
+                    <a:close/>
+                  </a:path>
+                </a:pathLst>
+              </a:custGeom>
+              <a:solidFill>
+                <a:srgbClr val="7030A0"/>
+              </a:solidFill>
+              <a:ln w="95250" cap="rnd">
+                <a:noFill/>
+                <a:miter lim="800000"/>
+              </a:ln>
+            </p:spPr>
+            <p:style>
+              <a:lnRef idx="2">
+                <a:schemeClr val="accent1">
+                  <a:shade val="50000"/>
+                </a:schemeClr>
+              </a:lnRef>
+              <a:fillRef idx="1">
+                <a:schemeClr val="accent1"/>
+              </a:fillRef>
+              <a:effectRef idx="0">
+                <a:schemeClr val="accent1"/>
+              </a:effectRef>
+              <a:fontRef idx="minor">
+                <a:schemeClr val="lt1"/>
+              </a:fontRef>
+            </p:style>
+            <p:txBody>
+              <a:bodyPr wrap="square" rtlCol="0" anchor="ctr">
+                <a:noAutofit/>
+              </a:bodyPr>
+              <a:lstStyle/>
+              <a:p>
+                <a:pPr algn="ctr"/>
+                <a:endParaRPr lang="sv-SE" dirty="0"/>
+              </a:p>
+            </p:txBody>
+          </p:sp>
+        </p:grpSp>
+        <p:grpSp>
+          <p:nvGrpSpPr>
+            <p:cNvPr id="256" name="Group 88">
+              <a:extLst>
+                <a:ext uri="{FF2B5EF4-FFF2-40B4-BE49-F238E27FC236}">
+                  <a16:creationId xmlns:a16="http://schemas.microsoft.com/office/drawing/2014/main" id="{2E749D22-231A-54FA-DA25-AF19A46DF6D9}"/>
+                </a:ext>
+              </a:extLst>
+            </p:cNvPr>
+            <p:cNvGrpSpPr/>
+            <p:nvPr/>
+          </p:nvGrpSpPr>
+          <p:grpSpPr>
+            <a:xfrm>
+              <a:off x="1985182" y="2463602"/>
+              <a:ext cx="792193" cy="898140"/>
+              <a:chOff x="3178679" y="2215083"/>
+              <a:chExt cx="1721001" cy="1951168"/>
+            </a:xfrm>
+            <a:solidFill>
+              <a:schemeClr val="tx1">
+                <a:lumMod val="50000"/>
+                <a:lumOff val="50000"/>
+              </a:schemeClr>
+            </a:solidFill>
+          </p:grpSpPr>
+          <p:sp>
+            <p:nvSpPr>
+              <p:cNvPr id="257" name="Freeform 90">
+                <a:extLst>
+                  <a:ext uri="{FF2B5EF4-FFF2-40B4-BE49-F238E27FC236}">
+                    <a16:creationId xmlns:a16="http://schemas.microsoft.com/office/drawing/2014/main" id="{FB5198EC-8302-6F21-3462-DDD6FAA6A865}"/>
                   </a:ext>
                 </a:extLst>
               </p:cNvPr>
@@ -4954,8 +5352,8 @@
             </p:nvSpPr>
             <p:spPr>
               <a:xfrm rot="9000000">
-                <a:off x="3178679" y="2558486"/>
-                <a:ext cx="922364" cy="1596968"/>
+                <a:off x="3178679" y="2569282"/>
+                <a:ext cx="922364" cy="1596969"/>
               </a:xfrm>
               <a:custGeom>
                 <a:avLst/>
@@ -5038,10 +5436,10 @@
           </p:sp>
           <p:sp>
             <p:nvSpPr>
-              <p:cNvPr id="228" name="Freeform 91">
+              <p:cNvPr id="258" name="Freeform 91">
                 <a:extLst>
                   <a:ext uri="{FF2B5EF4-FFF2-40B4-BE49-F238E27FC236}">
-                    <a16:creationId xmlns:a16="http://schemas.microsoft.com/office/drawing/2014/main" id="{F27FD3DD-A1F8-0B47-9585-2AB02EDBD4C6}"/>
+                    <a16:creationId xmlns:a16="http://schemas.microsoft.com/office/drawing/2014/main" id="{60D48F65-6450-1612-E37A-96014E821B7C}"/>
                   </a:ext>
                 </a:extLst>
               </p:cNvPr>
@@ -5050,8 +5448,8 @@
             </p:nvSpPr>
             <p:spPr>
               <a:xfrm rot="12600000" flipH="1">
-                <a:off x="3977316" y="2558484"/>
-                <a:ext cx="922364" cy="1596966"/>
+                <a:off x="3977316" y="2569280"/>
+                <a:ext cx="922364" cy="1596967"/>
               </a:xfrm>
               <a:custGeom>
                 <a:avLst/>
@@ -5134,10 +5532,10 @@
           </p:sp>
           <p:sp>
             <p:nvSpPr>
-              <p:cNvPr id="229" name="Freeform 92">
+              <p:cNvPr id="259" name="Freeform 92">
                 <a:extLst>
                   <a:ext uri="{FF2B5EF4-FFF2-40B4-BE49-F238E27FC236}">
-                    <a16:creationId xmlns:a16="http://schemas.microsoft.com/office/drawing/2014/main" id="{7CE163FA-BA47-BE46-9668-EC2C607B0FEC}"/>
+                    <a16:creationId xmlns:a16="http://schemas.microsoft.com/office/drawing/2014/main" id="{5C920893-87C7-E4D0-AF8B-BC12D9E1B5CB}"/>
                   </a:ext>
                 </a:extLst>
               </p:cNvPr>
@@ -5146,8 +5544,8 @@
             </p:nvSpPr>
             <p:spPr>
               <a:xfrm rot="5400000">
-                <a:off x="3578912" y="1867301"/>
-                <a:ext cx="922365" cy="1596336"/>
+                <a:off x="3578911" y="1878097"/>
+                <a:ext cx="922365" cy="1596337"/>
               </a:xfrm>
               <a:custGeom>
                 <a:avLst/>
@@ -5229,65 +5627,6 @@
             </p:txBody>
           </p:sp>
         </p:grpSp>
-        <p:sp>
-          <p:nvSpPr>
-            <p:cNvPr id="226" name="Hexagon 89">
-              <a:extLst>
-                <a:ext uri="{FF2B5EF4-FFF2-40B4-BE49-F238E27FC236}">
-                  <a16:creationId xmlns:a16="http://schemas.microsoft.com/office/drawing/2014/main" id="{DC7C43A9-0C34-0648-9A00-289C6D078D7F}"/>
-                </a:ext>
-              </a:extLst>
-            </p:cNvPr>
-            <p:cNvSpPr/>
-            <p:nvPr/>
-          </p:nvSpPr>
-          <p:spPr>
-            <a:xfrm rot="5400000">
-              <a:off x="3130253" y="2825279"/>
-              <a:ext cx="956852" cy="841673"/>
-            </a:xfrm>
-            <a:prstGeom prst="hexagon">
-              <a:avLst>
-                <a:gd name="adj" fmla="val 29001"/>
-                <a:gd name="vf" fmla="val 115470"/>
-              </a:avLst>
-            </a:prstGeom>
-            <a:noFill/>
-            <a:ln w="95250" cap="rnd">
-              <a:solidFill>
-                <a:schemeClr val="tx1">
-                  <a:lumMod val="95000"/>
-                  <a:lumOff val="5000"/>
-                </a:schemeClr>
-              </a:solidFill>
-              <a:miter lim="800000"/>
-            </a:ln>
-          </p:spPr>
-          <p:style>
-            <a:lnRef idx="2">
-              <a:schemeClr val="accent1">
-                <a:shade val="50000"/>
-              </a:schemeClr>
-            </a:lnRef>
-            <a:fillRef idx="1">
-              <a:schemeClr val="accent1"/>
-            </a:fillRef>
-            <a:effectRef idx="0">
-              <a:schemeClr val="accent1"/>
-            </a:effectRef>
-            <a:fontRef idx="minor">
-              <a:schemeClr val="lt1"/>
-            </a:fontRef>
-          </p:style>
-          <p:txBody>
-            <a:bodyPr rtlCol="0" anchor="ctr"/>
-            <a:lstStyle/>
-            <a:p>
-              <a:pPr algn="ctr"/>
-              <a:endParaRPr lang="sv-SE" dirty="0"/>
-            </a:p>
-          </p:txBody>
-        </p:sp>
       </p:grpSp>
     </p:spTree>
     <p:extLst>
@@ -5299,13 +5638,13 @@
   <p:clrMapOvr>
     <a:masterClrMapping/>
   </p:clrMapOvr>
-  <mc:AlternateContent xmlns:mc="http://schemas.openxmlformats.org/markup-compatibility/2006">
-    <mc:Choice xmlns:p14="http://schemas.microsoft.com/office/powerpoint/2010/main" Requires="p14">
+  <mc:AlternateContent xmlns:mc="http://schemas.openxmlformats.org/markup-compatibility/2006" xmlns:p14="http://schemas.microsoft.com/office/powerpoint/2010/main">
+    <mc:Choice Requires="p14">
       <p:transition spd="med" p14:dur="700">
         <p:fade/>
       </p:transition>
     </mc:Choice>
-    <mc:Fallback>
+    <mc:Fallback xmlns="">
       <p:transition spd="med">
         <p:fade/>
       </p:transition>

--- a/pa.pptx
+++ b/pa.pptx
@@ -5783,12 +5783,172 @@
           </a:p>
         </p:txBody>
       </p:sp>
+      <p:sp>
+        <p:nvSpPr>
+          <p:cNvPr id="219" name="Isosceles Triangle 50">
+            <a:extLst>
+              <a:ext uri="{FF2B5EF4-FFF2-40B4-BE49-F238E27FC236}">
+                <a16:creationId xmlns:a16="http://schemas.microsoft.com/office/drawing/2014/main" id="{9073F888-8692-904B-A157-2CE8D36E012A}"/>
+              </a:ext>
+            </a:extLst>
+          </p:cNvPr>
+          <p:cNvSpPr/>
+          <p:nvPr/>
+        </p:nvSpPr>
+        <p:spPr>
+          <a:xfrm rot="5400000">
+            <a:off x="2512892" y="3504200"/>
+            <a:ext cx="1291804" cy="1113626"/>
+          </a:xfrm>
+          <a:prstGeom prst="triangle">
+            <a:avLst/>
+          </a:prstGeom>
+          <a:solidFill>
+            <a:srgbClr val="231437"/>
+          </a:solidFill>
+          <a:ln>
+            <a:noFill/>
+          </a:ln>
+        </p:spPr>
+        <p:style>
+          <a:lnRef idx="2">
+            <a:schemeClr val="accent1">
+              <a:shade val="50000"/>
+            </a:schemeClr>
+          </a:lnRef>
+          <a:fillRef idx="1">
+            <a:schemeClr val="accent1"/>
+          </a:fillRef>
+          <a:effectRef idx="0">
+            <a:schemeClr val="accent1"/>
+          </a:effectRef>
+          <a:fontRef idx="minor">
+            <a:schemeClr val="lt1"/>
+          </a:fontRef>
+        </p:style>
+        <p:txBody>
+          <a:bodyPr rtlCol="0" anchor="ctr"/>
+          <a:lstStyle/>
+          <a:p>
+            <a:pPr algn="ctr"/>
+            <a:endParaRPr lang="sv-SE" dirty="0"/>
+          </a:p>
+        </p:txBody>
+      </p:sp>
+      <p:sp>
+        <p:nvSpPr>
+          <p:cNvPr id="220" name="Isosceles Triangle 50">
+            <a:extLst>
+              <a:ext uri="{FF2B5EF4-FFF2-40B4-BE49-F238E27FC236}">
+                <a16:creationId xmlns:a16="http://schemas.microsoft.com/office/drawing/2014/main" id="{01AF7556-7E63-D348-90E0-303704EE4A07}"/>
+              </a:ext>
+            </a:extLst>
+          </p:cNvPr>
+          <p:cNvSpPr/>
+          <p:nvPr/>
+        </p:nvSpPr>
+        <p:spPr>
+          <a:xfrm rot="16200000">
+            <a:off x="3413811" y="3504200"/>
+            <a:ext cx="1291804" cy="1113626"/>
+          </a:xfrm>
+          <a:prstGeom prst="triangle">
+            <a:avLst/>
+          </a:prstGeom>
+          <a:solidFill>
+            <a:srgbClr val="231437"/>
+          </a:solidFill>
+          <a:ln>
+            <a:noFill/>
+          </a:ln>
+        </p:spPr>
+        <p:style>
+          <a:lnRef idx="2">
+            <a:schemeClr val="accent1">
+              <a:shade val="50000"/>
+            </a:schemeClr>
+          </a:lnRef>
+          <a:fillRef idx="1">
+            <a:schemeClr val="accent1"/>
+          </a:fillRef>
+          <a:effectRef idx="0">
+            <a:schemeClr val="accent1"/>
+          </a:effectRef>
+          <a:fontRef idx="minor">
+            <a:schemeClr val="lt1"/>
+          </a:fontRef>
+        </p:style>
+        <p:txBody>
+          <a:bodyPr rtlCol="0" anchor="ctr"/>
+          <a:lstStyle/>
+          <a:p>
+            <a:pPr algn="ctr"/>
+            <a:endParaRPr lang="sv-SE" dirty="0"/>
+          </a:p>
+        </p:txBody>
+      </p:sp>
+      <p:sp>
+        <p:nvSpPr>
+          <p:cNvPr id="221" name="Hexagon 42">
+            <a:extLst>
+              <a:ext uri="{FF2B5EF4-FFF2-40B4-BE49-F238E27FC236}">
+                <a16:creationId xmlns:a16="http://schemas.microsoft.com/office/drawing/2014/main" id="{3AB9E18C-BB65-5D48-86BE-8A02E86CA6AF}"/>
+              </a:ext>
+            </a:extLst>
+          </p:cNvPr>
+          <p:cNvSpPr/>
+          <p:nvPr/>
+        </p:nvSpPr>
+        <p:spPr>
+          <a:xfrm rot="5400000">
+            <a:off x="2443869" y="2244790"/>
+            <a:ext cx="2329621" cy="2016522"/>
+          </a:xfrm>
+          <a:prstGeom prst="hexagon">
+            <a:avLst>
+              <a:gd name="adj" fmla="val 29001"/>
+              <a:gd name="vf" fmla="val 115470"/>
+            </a:avLst>
+          </a:prstGeom>
+          <a:solidFill>
+            <a:srgbClr val="231437"/>
+          </a:solidFill>
+          <a:ln w="12700" cap="rnd">
+            <a:noFill/>
+            <a:miter lim="800000"/>
+          </a:ln>
+        </p:spPr>
+        <p:style>
+          <a:lnRef idx="2">
+            <a:schemeClr val="accent1">
+              <a:shade val="50000"/>
+            </a:schemeClr>
+          </a:lnRef>
+          <a:fillRef idx="1">
+            <a:schemeClr val="accent1"/>
+          </a:fillRef>
+          <a:effectRef idx="0">
+            <a:schemeClr val="accent1"/>
+          </a:effectRef>
+          <a:fontRef idx="minor">
+            <a:schemeClr val="lt1"/>
+          </a:fontRef>
+        </p:style>
+        <p:txBody>
+          <a:bodyPr rtlCol="0" anchor="ctr"/>
+          <a:lstStyle/>
+          <a:p>
+            <a:pPr algn="ctr"/>
+            <a:endParaRPr lang="sv-SE" dirty="0"/>
+          </a:p>
+        </p:txBody>
+      </p:sp>
       <p:grpSp>
         <p:nvGrpSpPr>
-          <p:cNvPr id="218" name="Grupp 217">
+          <p:cNvPr id="87" name="Grupp 86">
             <a:extLst>
               <a:ext uri="{FF2B5EF4-FFF2-40B4-BE49-F238E27FC236}">
-                <a16:creationId xmlns:a16="http://schemas.microsoft.com/office/drawing/2014/main" id="{BCD39446-C115-854F-AD9E-6FBF86A2A120}"/>
+                <a16:creationId xmlns:a16="http://schemas.microsoft.com/office/drawing/2014/main" id="{BBF2DC67-F9E4-140F-3392-4CD8D59847EF}"/>
               </a:ext>
             </a:extLst>
           </p:cNvPr>
@@ -5797,178 +5957,18 @@
         </p:nvGrpSpPr>
         <p:grpSpPr>
           <a:xfrm>
-            <a:off x="2600419" y="2088240"/>
-            <a:ext cx="2016522" cy="2618675"/>
-            <a:chOff x="6428773" y="1562170"/>
-            <a:chExt cx="2016522" cy="2618675"/>
+            <a:off x="2807199" y="2336910"/>
+            <a:ext cx="1604529" cy="2013870"/>
+            <a:chOff x="1578612" y="1976425"/>
+            <a:chExt cx="1604529" cy="2013870"/>
           </a:xfrm>
         </p:grpSpPr>
-        <p:sp>
-          <p:nvSpPr>
-            <p:cNvPr id="219" name="Isosceles Triangle 50">
+        <p:grpSp>
+          <p:nvGrpSpPr>
+            <p:cNvPr id="88" name="Group 48">
               <a:extLst>
                 <a:ext uri="{FF2B5EF4-FFF2-40B4-BE49-F238E27FC236}">
-                  <a16:creationId xmlns:a16="http://schemas.microsoft.com/office/drawing/2014/main" id="{9073F888-8692-904B-A157-2CE8D36E012A}"/>
-                </a:ext>
-              </a:extLst>
-            </p:cNvPr>
-            <p:cNvSpPr/>
-            <p:nvPr/>
-          </p:nvSpPr>
-          <p:spPr>
-            <a:xfrm rot="5400000">
-              <a:off x="6341246" y="2978130"/>
-              <a:ext cx="1291804" cy="1113626"/>
-            </a:xfrm>
-            <a:prstGeom prst="triangle">
-              <a:avLst/>
-            </a:prstGeom>
-            <a:solidFill>
-              <a:srgbClr val="231437"/>
-            </a:solidFill>
-            <a:ln>
-              <a:noFill/>
-            </a:ln>
-          </p:spPr>
-          <p:style>
-            <a:lnRef idx="2">
-              <a:schemeClr val="accent1">
-                <a:shade val="50000"/>
-              </a:schemeClr>
-            </a:lnRef>
-            <a:fillRef idx="1">
-              <a:schemeClr val="accent1"/>
-            </a:fillRef>
-            <a:effectRef idx="0">
-              <a:schemeClr val="accent1"/>
-            </a:effectRef>
-            <a:fontRef idx="minor">
-              <a:schemeClr val="lt1"/>
-            </a:fontRef>
-          </p:style>
-          <p:txBody>
-            <a:bodyPr rtlCol="0" anchor="ctr"/>
-            <a:lstStyle/>
-            <a:p>
-              <a:pPr algn="ctr"/>
-              <a:endParaRPr lang="sv-SE" dirty="0"/>
-            </a:p>
-          </p:txBody>
-        </p:sp>
-        <p:sp>
-          <p:nvSpPr>
-            <p:cNvPr id="220" name="Isosceles Triangle 50">
-              <a:extLst>
-                <a:ext uri="{FF2B5EF4-FFF2-40B4-BE49-F238E27FC236}">
-                  <a16:creationId xmlns:a16="http://schemas.microsoft.com/office/drawing/2014/main" id="{01AF7556-7E63-D348-90E0-303704EE4A07}"/>
-                </a:ext>
-              </a:extLst>
-            </p:cNvPr>
-            <p:cNvSpPr/>
-            <p:nvPr/>
-          </p:nvSpPr>
-          <p:spPr>
-            <a:xfrm rot="16200000">
-              <a:off x="7242165" y="2978130"/>
-              <a:ext cx="1291804" cy="1113626"/>
-            </a:xfrm>
-            <a:prstGeom prst="triangle">
-              <a:avLst/>
-            </a:prstGeom>
-            <a:solidFill>
-              <a:srgbClr val="231437"/>
-            </a:solidFill>
-            <a:ln>
-              <a:noFill/>
-            </a:ln>
-          </p:spPr>
-          <p:style>
-            <a:lnRef idx="2">
-              <a:schemeClr val="accent1">
-                <a:shade val="50000"/>
-              </a:schemeClr>
-            </a:lnRef>
-            <a:fillRef idx="1">
-              <a:schemeClr val="accent1"/>
-            </a:fillRef>
-            <a:effectRef idx="0">
-              <a:schemeClr val="accent1"/>
-            </a:effectRef>
-            <a:fontRef idx="minor">
-              <a:schemeClr val="lt1"/>
-            </a:fontRef>
-          </p:style>
-          <p:txBody>
-            <a:bodyPr rtlCol="0" anchor="ctr"/>
-            <a:lstStyle/>
-            <a:p>
-              <a:pPr algn="ctr"/>
-              <a:endParaRPr lang="sv-SE" dirty="0"/>
-            </a:p>
-          </p:txBody>
-        </p:sp>
-        <p:sp>
-          <p:nvSpPr>
-            <p:cNvPr id="221" name="Hexagon 42">
-              <a:extLst>
-                <a:ext uri="{FF2B5EF4-FFF2-40B4-BE49-F238E27FC236}">
-                  <a16:creationId xmlns:a16="http://schemas.microsoft.com/office/drawing/2014/main" id="{3AB9E18C-BB65-5D48-86BE-8A02E86CA6AF}"/>
-                </a:ext>
-              </a:extLst>
-            </p:cNvPr>
-            <p:cNvSpPr/>
-            <p:nvPr/>
-          </p:nvSpPr>
-          <p:spPr>
-            <a:xfrm rot="5400000">
-              <a:off x="6272223" y="1718720"/>
-              <a:ext cx="2329621" cy="2016522"/>
-            </a:xfrm>
-            <a:prstGeom prst="hexagon">
-              <a:avLst>
-                <a:gd name="adj" fmla="val 29001"/>
-                <a:gd name="vf" fmla="val 115470"/>
-              </a:avLst>
-            </a:prstGeom>
-            <a:solidFill>
-              <a:srgbClr val="231437"/>
-            </a:solidFill>
-            <a:ln w="12700" cap="rnd">
-              <a:noFill/>
-              <a:miter lim="800000"/>
-            </a:ln>
-          </p:spPr>
-          <p:style>
-            <a:lnRef idx="2">
-              <a:schemeClr val="accent1">
-                <a:shade val="50000"/>
-              </a:schemeClr>
-            </a:lnRef>
-            <a:fillRef idx="1">
-              <a:schemeClr val="accent1"/>
-            </a:fillRef>
-            <a:effectRef idx="0">
-              <a:schemeClr val="accent1"/>
-            </a:effectRef>
-            <a:fontRef idx="minor">
-              <a:schemeClr val="lt1"/>
-            </a:fontRef>
-          </p:style>
-          <p:txBody>
-            <a:bodyPr rtlCol="0" anchor="ctr"/>
-            <a:lstStyle/>
-            <a:p>
-              <a:pPr algn="ctr"/>
-              <a:endParaRPr lang="sv-SE" dirty="0"/>
-            </a:p>
-          </p:txBody>
-        </p:sp>
-        <p:grpSp>
-          <p:nvGrpSpPr>
-            <p:cNvPr id="222" name="Grupp 221">
-              <a:extLst>
-                <a:ext uri="{FF2B5EF4-FFF2-40B4-BE49-F238E27FC236}">
-                  <a16:creationId xmlns:a16="http://schemas.microsoft.com/office/drawing/2014/main" id="{FAE851BC-7641-6C48-892D-400A6F489D41}"/>
+                  <a16:creationId xmlns:a16="http://schemas.microsoft.com/office/drawing/2014/main" id="{5417C2D6-74E3-5594-E2C9-496ABCBDC12A}"/>
                 </a:ext>
               </a:extLst>
             </p:cNvPr>
@@ -5977,835 +5977,964 @@
           </p:nvGrpSpPr>
           <p:grpSpPr>
             <a:xfrm>
-              <a:off x="6577107" y="1805898"/>
-              <a:ext cx="1721001" cy="2018818"/>
-              <a:chOff x="3026281" y="2051880"/>
-              <a:chExt cx="1721001" cy="2018818"/>
+              <a:off x="1582445" y="3457359"/>
+              <a:ext cx="1600696" cy="532936"/>
+              <a:chOff x="4360429" y="4861871"/>
+              <a:chExt cx="1136810" cy="378490"/>
             </a:xfrm>
           </p:grpSpPr>
-          <p:grpSp>
-            <p:nvGrpSpPr>
-              <p:cNvPr id="223" name="Group 48">
+          <p:sp>
+            <p:nvSpPr>
+              <p:cNvPr id="98" name="Isosceles Triangle 50">
                 <a:extLst>
                   <a:ext uri="{FF2B5EF4-FFF2-40B4-BE49-F238E27FC236}">
-                    <a16:creationId xmlns:a16="http://schemas.microsoft.com/office/drawing/2014/main" id="{8B9EAA96-BC47-1A40-8460-03A9DEC7AC34}"/>
+                    <a16:creationId xmlns:a16="http://schemas.microsoft.com/office/drawing/2014/main" id="{824D4F41-972F-7CBA-7A0C-D7F656093523}"/>
                   </a:ext>
                 </a:extLst>
               </p:cNvPr>
-              <p:cNvGrpSpPr/>
+              <p:cNvSpPr/>
               <p:nvPr/>
-            </p:nvGrpSpPr>
-            <p:grpSpPr>
-              <a:xfrm>
-                <a:off x="3026281" y="2051880"/>
-                <a:ext cx="1721001" cy="2018818"/>
-                <a:chOff x="4318921" y="3806601"/>
-                <a:chExt cx="1222250" cy="1433760"/>
+            </p:nvSpPr>
+            <p:spPr>
+              <a:xfrm rot="5400000">
+                <a:off x="4334327" y="4887977"/>
+                <a:ext cx="378486" cy="326281"/>
               </a:xfrm>
-            </p:grpSpPr>
-            <p:grpSp>
-              <p:nvGrpSpPr>
-                <p:cNvPr id="230" name="Group 49">
-                  <a:extLst>
-                    <a:ext uri="{FF2B5EF4-FFF2-40B4-BE49-F238E27FC236}">
-                      <a16:creationId xmlns:a16="http://schemas.microsoft.com/office/drawing/2014/main" id="{ED975A2C-B29B-FA41-B938-299BA46D99B6}"/>
-                    </a:ext>
-                  </a:extLst>
-                </p:cNvPr>
-                <p:cNvGrpSpPr/>
-                <p:nvPr/>
-              </p:nvGrpSpPr>
-              <p:grpSpPr>
-                <a:xfrm>
-                  <a:off x="4318921" y="3806601"/>
-                  <a:ext cx="1222250" cy="1385712"/>
-                  <a:chOff x="4070452" y="3534126"/>
-                  <a:chExt cx="1723664" cy="1954185"/>
-                </a:xfrm>
-                <a:solidFill>
-                  <a:srgbClr val="FFCC29"/>
-                </a:solidFill>
-              </p:grpSpPr>
-              <p:sp>
-                <p:nvSpPr>
-                  <p:cNvPr id="233" name="Freeform 53">
-                    <a:extLst>
-                      <a:ext uri="{FF2B5EF4-FFF2-40B4-BE49-F238E27FC236}">
-                        <a16:creationId xmlns:a16="http://schemas.microsoft.com/office/drawing/2014/main" id="{22DCDF3D-DF15-1F4D-A943-2BB00CFBC6C3}"/>
-                      </a:ext>
-                    </a:extLst>
-                  </p:cNvPr>
-                  <p:cNvSpPr/>
-                  <p:nvPr/>
-                </p:nvSpPr>
-                <p:spPr>
-                  <a:xfrm rot="9000000">
-                    <a:off x="4070452" y="3888874"/>
-                    <a:ext cx="923791" cy="1599437"/>
-                  </a:xfrm>
-                  <a:custGeom>
-                    <a:avLst/>
-                    <a:gdLst>
-                      <a:gd name="connsiteX0" fmla="*/ 0 w 2013626"/>
-                      <a:gd name="connsiteY0" fmla="*/ 1735884 h 3471768"/>
-                      <a:gd name="connsiteX1" fmla="*/ 1006813 w 2013626"/>
-                      <a:gd name="connsiteY1" fmla="*/ 0 h 3471768"/>
-                      <a:gd name="connsiteX2" fmla="*/ 2013626 w 2013626"/>
-                      <a:gd name="connsiteY2" fmla="*/ 1735884 h 3471768"/>
-                      <a:gd name="connsiteX3" fmla="*/ 1006813 w 2013626"/>
-                      <a:gd name="connsiteY3" fmla="*/ 3471768 h 3471768"/>
-                    </a:gdLst>
-                    <a:ahLst/>
-                    <a:cxnLst>
-                      <a:cxn ang="0">
-                        <a:pos x="connsiteX0" y="connsiteY0"/>
-                      </a:cxn>
-                      <a:cxn ang="0">
-                        <a:pos x="connsiteX1" y="connsiteY1"/>
-                      </a:cxn>
-                      <a:cxn ang="0">
-                        <a:pos x="connsiteX2" y="connsiteY2"/>
-                      </a:cxn>
-                      <a:cxn ang="0">
-                        <a:pos x="connsiteX3" y="connsiteY3"/>
-                      </a:cxn>
-                    </a:cxnLst>
-                    <a:rect l="l" t="t" r="r" b="b"/>
-                    <a:pathLst>
-                      <a:path w="2013626" h="3471768">
-                        <a:moveTo>
-                          <a:pt x="0" y="1735884"/>
-                        </a:moveTo>
-                        <a:lnTo>
-                          <a:pt x="1006813" y="0"/>
-                        </a:lnTo>
-                        <a:lnTo>
-                          <a:pt x="2013626" y="1735884"/>
-                        </a:lnTo>
-                        <a:lnTo>
-                          <a:pt x="1006813" y="3471768"/>
-                        </a:lnTo>
-                        <a:close/>
-                      </a:path>
-                    </a:pathLst>
-                  </a:custGeom>
-                  <a:solidFill>
-                    <a:srgbClr val="F55A22"/>
-                  </a:solidFill>
-                  <a:ln cap="rnd">
-                    <a:noFill/>
-                    <a:round/>
-                  </a:ln>
-                </p:spPr>
-                <p:style>
-                  <a:lnRef idx="2">
-                    <a:schemeClr val="accent1">
-                      <a:shade val="50000"/>
-                    </a:schemeClr>
-                  </a:lnRef>
-                  <a:fillRef idx="1">
-                    <a:schemeClr val="accent1"/>
-                  </a:fillRef>
-                  <a:effectRef idx="0">
-                    <a:schemeClr val="accent1"/>
-                  </a:effectRef>
-                  <a:fontRef idx="minor">
-                    <a:schemeClr val="lt1"/>
-                  </a:fontRef>
-                </p:style>
-                <p:txBody>
-                  <a:bodyPr rtlCol="0" anchor="ctr"/>
-                  <a:lstStyle/>
-                  <a:p>
-                    <a:pPr algn="ctr"/>
-                    <a:endParaRPr lang="sv-SE"/>
-                  </a:p>
-                </p:txBody>
-              </p:sp>
-              <p:sp>
-                <p:nvSpPr>
-                  <p:cNvPr id="234" name="Freeform 54">
-                    <a:extLst>
-                      <a:ext uri="{FF2B5EF4-FFF2-40B4-BE49-F238E27FC236}">
-                        <a16:creationId xmlns:a16="http://schemas.microsoft.com/office/drawing/2014/main" id="{D0540F80-DDE9-484E-9004-22C460DB9D7E}"/>
-                      </a:ext>
-                    </a:extLst>
-                  </p:cNvPr>
-                  <p:cNvSpPr/>
-                  <p:nvPr/>
-                </p:nvSpPr>
-                <p:spPr>
-                  <a:xfrm rot="12600000" flipH="1">
-                    <a:off x="4870325" y="3888874"/>
-                    <a:ext cx="923791" cy="1599436"/>
-                  </a:xfrm>
-                  <a:custGeom>
-                    <a:avLst/>
-                    <a:gdLst>
-                      <a:gd name="connsiteX0" fmla="*/ 0 w 2013626"/>
-                      <a:gd name="connsiteY0" fmla="*/ 1735884 h 3471768"/>
-                      <a:gd name="connsiteX1" fmla="*/ 1006813 w 2013626"/>
-                      <a:gd name="connsiteY1" fmla="*/ 0 h 3471768"/>
-                      <a:gd name="connsiteX2" fmla="*/ 2013626 w 2013626"/>
-                      <a:gd name="connsiteY2" fmla="*/ 1735884 h 3471768"/>
-                      <a:gd name="connsiteX3" fmla="*/ 1006813 w 2013626"/>
-                      <a:gd name="connsiteY3" fmla="*/ 3471768 h 3471768"/>
-                    </a:gdLst>
-                    <a:ahLst/>
-                    <a:cxnLst>
-                      <a:cxn ang="0">
-                        <a:pos x="connsiteX0" y="connsiteY0"/>
-                      </a:cxn>
-                      <a:cxn ang="0">
-                        <a:pos x="connsiteX1" y="connsiteY1"/>
-                      </a:cxn>
-                      <a:cxn ang="0">
-                        <a:pos x="connsiteX2" y="connsiteY2"/>
-                      </a:cxn>
-                      <a:cxn ang="0">
-                        <a:pos x="connsiteX3" y="connsiteY3"/>
-                      </a:cxn>
-                    </a:cxnLst>
-                    <a:rect l="l" t="t" r="r" b="b"/>
-                    <a:pathLst>
-                      <a:path w="2013626" h="3471768">
-                        <a:moveTo>
-                          <a:pt x="0" y="1735884"/>
-                        </a:moveTo>
-                        <a:lnTo>
-                          <a:pt x="1006813" y="0"/>
-                        </a:lnTo>
-                        <a:lnTo>
-                          <a:pt x="2013626" y="1735884"/>
-                        </a:lnTo>
-                        <a:lnTo>
-                          <a:pt x="1006813" y="3471768"/>
-                        </a:lnTo>
-                        <a:close/>
-                      </a:path>
-                    </a:pathLst>
-                  </a:custGeom>
-                  <a:solidFill>
-                    <a:srgbClr val="7030A0"/>
-                  </a:solidFill>
-                  <a:ln cap="rnd">
-                    <a:noFill/>
-                    <a:round/>
-                  </a:ln>
-                </p:spPr>
-                <p:style>
-                  <a:lnRef idx="2">
-                    <a:schemeClr val="accent1">
-                      <a:shade val="50000"/>
-                    </a:schemeClr>
-                  </a:lnRef>
-                  <a:fillRef idx="1">
-                    <a:schemeClr val="accent1"/>
-                  </a:fillRef>
-                  <a:effectRef idx="0">
-                    <a:schemeClr val="accent1"/>
-                  </a:effectRef>
-                  <a:fontRef idx="minor">
-                    <a:schemeClr val="lt1"/>
-                  </a:fontRef>
-                </p:style>
-                <p:txBody>
-                  <a:bodyPr rtlCol="0" anchor="ctr"/>
-                  <a:lstStyle/>
-                  <a:p>
-                    <a:pPr algn="ctr"/>
-                    <a:endParaRPr lang="sv-SE"/>
-                  </a:p>
-                </p:txBody>
-              </p:sp>
-              <p:sp>
-                <p:nvSpPr>
-                  <p:cNvPr id="235" name="Freeform 55">
-                    <a:extLst>
-                      <a:ext uri="{FF2B5EF4-FFF2-40B4-BE49-F238E27FC236}">
-                        <a16:creationId xmlns:a16="http://schemas.microsoft.com/office/drawing/2014/main" id="{1AA7F713-F5B9-1E4A-9ECE-3110076894E1}"/>
-                      </a:ext>
-                    </a:extLst>
-                  </p:cNvPr>
-                  <p:cNvSpPr/>
-                  <p:nvPr/>
-                </p:nvSpPr>
-                <p:spPr>
-                  <a:xfrm rot="5400000">
-                    <a:off x="4471304" y="3196619"/>
-                    <a:ext cx="923791" cy="1598806"/>
-                  </a:xfrm>
-                  <a:custGeom>
-                    <a:avLst/>
-                    <a:gdLst>
-                      <a:gd name="connsiteX0" fmla="*/ 0 w 2013626"/>
-                      <a:gd name="connsiteY0" fmla="*/ 1735884 h 3471768"/>
-                      <a:gd name="connsiteX1" fmla="*/ 1006813 w 2013626"/>
-                      <a:gd name="connsiteY1" fmla="*/ 0 h 3471768"/>
-                      <a:gd name="connsiteX2" fmla="*/ 2013626 w 2013626"/>
-                      <a:gd name="connsiteY2" fmla="*/ 1735884 h 3471768"/>
-                      <a:gd name="connsiteX3" fmla="*/ 1006813 w 2013626"/>
-                      <a:gd name="connsiteY3" fmla="*/ 3471768 h 3471768"/>
-                    </a:gdLst>
-                    <a:ahLst/>
-                    <a:cxnLst>
-                      <a:cxn ang="0">
-                        <a:pos x="connsiteX0" y="connsiteY0"/>
-                      </a:cxn>
-                      <a:cxn ang="0">
-                        <a:pos x="connsiteX1" y="connsiteY1"/>
-                      </a:cxn>
-                      <a:cxn ang="0">
-                        <a:pos x="connsiteX2" y="connsiteY2"/>
-                      </a:cxn>
-                      <a:cxn ang="0">
-                        <a:pos x="connsiteX3" y="connsiteY3"/>
-                      </a:cxn>
-                    </a:cxnLst>
-                    <a:rect l="l" t="t" r="r" b="b"/>
-                    <a:pathLst>
-                      <a:path w="2013626" h="3471768">
-                        <a:moveTo>
-                          <a:pt x="0" y="1735884"/>
-                        </a:moveTo>
-                        <a:lnTo>
-                          <a:pt x="1006813" y="0"/>
-                        </a:lnTo>
-                        <a:lnTo>
-                          <a:pt x="2013626" y="1735884"/>
-                        </a:lnTo>
-                        <a:lnTo>
-                          <a:pt x="1006813" y="3471768"/>
-                        </a:lnTo>
-                        <a:close/>
-                      </a:path>
-                    </a:pathLst>
-                  </a:custGeom>
-                  <a:solidFill>
-                    <a:srgbClr val="FFC001"/>
-                  </a:solidFill>
-                  <a:ln cap="rnd">
-                    <a:noFill/>
-                    <a:round/>
-                  </a:ln>
-                </p:spPr>
-                <p:style>
-                  <a:lnRef idx="2">
-                    <a:schemeClr val="accent1">
-                      <a:shade val="50000"/>
-                    </a:schemeClr>
-                  </a:lnRef>
-                  <a:fillRef idx="1">
-                    <a:schemeClr val="accent1"/>
-                  </a:fillRef>
-                  <a:effectRef idx="0">
-                    <a:schemeClr val="accent1"/>
-                  </a:effectRef>
-                  <a:fontRef idx="minor">
-                    <a:schemeClr val="lt1"/>
-                  </a:fontRef>
-                </p:style>
-                <p:txBody>
-                  <a:bodyPr rtlCol="0" anchor="ctr"/>
-                  <a:lstStyle/>
-                  <a:p>
-                    <a:pPr algn="ctr"/>
-                    <a:endParaRPr lang="sv-SE" dirty="0"/>
-                  </a:p>
-                </p:txBody>
-              </p:sp>
-            </p:grpSp>
-            <p:sp>
-              <p:nvSpPr>
-                <p:cNvPr id="231" name="Isosceles Triangle 50">
-                  <a:extLst>
-                    <a:ext uri="{FF2B5EF4-FFF2-40B4-BE49-F238E27FC236}">
-                      <a16:creationId xmlns:a16="http://schemas.microsoft.com/office/drawing/2014/main" id="{2E283E7A-548B-8B49-AB7A-FEA2BB580665}"/>
-                    </a:ext>
-                  </a:extLst>
-                </p:cNvPr>
-                <p:cNvSpPr/>
-                <p:nvPr/>
-              </p:nvSpPr>
-              <p:spPr>
-                <a:xfrm rot="5400000">
-                  <a:off x="4334327" y="4887977"/>
-                  <a:ext cx="378486" cy="326281"/>
-                </a:xfrm>
-                <a:prstGeom prst="triangle">
-                  <a:avLst/>
-                </a:prstGeom>
-                <a:solidFill>
-                  <a:srgbClr val="F55A22"/>
-                </a:solidFill>
-                <a:ln>
-                  <a:noFill/>
-                </a:ln>
-              </p:spPr>
-              <p:style>
-                <a:lnRef idx="2">
-                  <a:schemeClr val="accent1">
-                    <a:shade val="50000"/>
-                  </a:schemeClr>
-                </a:lnRef>
-                <a:fillRef idx="1">
-                  <a:schemeClr val="accent1"/>
-                </a:fillRef>
-                <a:effectRef idx="0">
-                  <a:schemeClr val="accent1"/>
-                </a:effectRef>
-                <a:fontRef idx="minor">
-                  <a:schemeClr val="lt1"/>
-                </a:fontRef>
-              </p:style>
-              <p:txBody>
-                <a:bodyPr rtlCol="0" anchor="ctr"/>
-                <a:lstStyle/>
-                <a:p>
-                  <a:pPr algn="ctr"/>
-                  <a:endParaRPr lang="sv-SE"/>
-                </a:p>
-              </p:txBody>
-            </p:sp>
-            <p:sp>
-              <p:nvSpPr>
-                <p:cNvPr id="232" name="Isosceles Triangle 51">
-                  <a:extLst>
-                    <a:ext uri="{FF2B5EF4-FFF2-40B4-BE49-F238E27FC236}">
-                      <a16:creationId xmlns:a16="http://schemas.microsoft.com/office/drawing/2014/main" id="{EAE658B0-5A46-8241-937E-9A54114A1E5E}"/>
-                    </a:ext>
-                  </a:extLst>
-                </p:cNvPr>
-                <p:cNvSpPr/>
-                <p:nvPr/>
-              </p:nvSpPr>
-              <p:spPr>
-                <a:xfrm rot="16200000">
-                  <a:off x="5144856" y="4887973"/>
-                  <a:ext cx="378486" cy="326281"/>
-                </a:xfrm>
-                <a:prstGeom prst="triangle">
-                  <a:avLst/>
-                </a:prstGeom>
-                <a:solidFill>
-                  <a:srgbClr val="7030A0"/>
-                </a:solidFill>
-                <a:ln>
-                  <a:noFill/>
-                </a:ln>
-              </p:spPr>
-              <p:style>
-                <a:lnRef idx="2">
-                  <a:schemeClr val="accent1">
-                    <a:shade val="50000"/>
-                  </a:schemeClr>
-                </a:lnRef>
-                <a:fillRef idx="1">
-                  <a:schemeClr val="accent1"/>
-                </a:fillRef>
-                <a:effectRef idx="0">
-                  <a:schemeClr val="accent1"/>
-                </a:effectRef>
-                <a:fontRef idx="minor">
-                  <a:schemeClr val="lt1"/>
-                </a:fontRef>
-              </p:style>
-              <p:txBody>
-                <a:bodyPr rtlCol="0" anchor="ctr"/>
-                <a:lstStyle/>
-                <a:p>
-                  <a:pPr algn="ctr"/>
-                  <a:endParaRPr lang="sv-SE"/>
-                </a:p>
-              </p:txBody>
-            </p:sp>
-          </p:grpSp>
-          <p:grpSp>
-            <p:nvGrpSpPr>
-              <p:cNvPr id="224" name="Group 87">
+              <a:prstGeom prst="triangle">
+                <a:avLst/>
+              </a:prstGeom>
+              <a:solidFill>
+                <a:srgbClr val="F55A22"/>
+              </a:solidFill>
+              <a:ln>
+                <a:noFill/>
+              </a:ln>
+            </p:spPr>
+            <p:style>
+              <a:lnRef idx="2">
+                <a:schemeClr val="accent1">
+                  <a:shade val="50000"/>
+                </a:schemeClr>
+              </a:lnRef>
+              <a:fillRef idx="1">
+                <a:schemeClr val="accent1"/>
+              </a:fillRef>
+              <a:effectRef idx="0">
+                <a:schemeClr val="accent1"/>
+              </a:effectRef>
+              <a:fontRef idx="minor">
+                <a:schemeClr val="lt1"/>
+              </a:fontRef>
+            </p:style>
+            <p:txBody>
+              <a:bodyPr rtlCol="0" anchor="ctr"/>
+              <a:lstStyle/>
+              <a:p>
+                <a:pPr algn="ctr"/>
+                <a:endParaRPr lang="sv-SE"/>
+              </a:p>
+            </p:txBody>
+          </p:sp>
+          <p:sp>
+            <p:nvSpPr>
+              <p:cNvPr id="99" name="Isosceles Triangle 51">
                 <a:extLst>
                   <a:ext uri="{FF2B5EF4-FFF2-40B4-BE49-F238E27FC236}">
-                    <a16:creationId xmlns:a16="http://schemas.microsoft.com/office/drawing/2014/main" id="{7E469F04-7B4C-174F-8EB9-A2C2AA8C5FCD}"/>
+                    <a16:creationId xmlns:a16="http://schemas.microsoft.com/office/drawing/2014/main" id="{74B8F0B6-CC21-C140-0F11-A0E6EFAD391B}"/>
                   </a:ext>
                 </a:extLst>
               </p:cNvPr>
-              <p:cNvGrpSpPr/>
+              <p:cNvSpPr/>
               <p:nvPr/>
-            </p:nvGrpSpPr>
-            <p:grpSpPr>
-              <a:xfrm>
-                <a:off x="3463332" y="2487602"/>
-                <a:ext cx="845749" cy="990943"/>
-                <a:chOff x="3464818" y="2490713"/>
-                <a:chExt cx="845749" cy="990943"/>
+            </p:nvSpPr>
+            <p:spPr>
+              <a:xfrm rot="16200000">
+                <a:off x="5144856" y="4887973"/>
+                <a:ext cx="378486" cy="326281"/>
               </a:xfrm>
-            </p:grpSpPr>
-            <p:grpSp>
-              <p:nvGrpSpPr>
-                <p:cNvPr id="225" name="Group 88">
-                  <a:extLst>
-                    <a:ext uri="{FF2B5EF4-FFF2-40B4-BE49-F238E27FC236}">
-                      <a16:creationId xmlns:a16="http://schemas.microsoft.com/office/drawing/2014/main" id="{48B1D7EC-86D2-874A-83FF-360592CDEE5D}"/>
-                    </a:ext>
-                  </a:extLst>
-                </p:cNvPr>
-                <p:cNvGrpSpPr/>
-                <p:nvPr/>
-              </p:nvGrpSpPr>
-              <p:grpSpPr>
-                <a:xfrm>
-                  <a:off x="3464818" y="2522797"/>
-                  <a:ext cx="845749" cy="958859"/>
-                  <a:chOff x="3178679" y="2204286"/>
-                  <a:chExt cx="1721001" cy="1951168"/>
-                </a:xfrm>
-              </p:grpSpPr>
-              <p:sp>
-                <p:nvSpPr>
-                  <p:cNvPr id="227" name="Freeform 90">
-                    <a:extLst>
-                      <a:ext uri="{FF2B5EF4-FFF2-40B4-BE49-F238E27FC236}">
-                        <a16:creationId xmlns:a16="http://schemas.microsoft.com/office/drawing/2014/main" id="{93F8B7CD-2CB0-264A-A885-270592534434}"/>
-                      </a:ext>
-                    </a:extLst>
-                  </p:cNvPr>
-                  <p:cNvSpPr/>
-                  <p:nvPr/>
-                </p:nvSpPr>
-                <p:spPr>
-                  <a:xfrm rot="9000000">
-                    <a:off x="3178679" y="2558486"/>
-                    <a:ext cx="922364" cy="1596968"/>
-                  </a:xfrm>
-                  <a:custGeom>
-                    <a:avLst/>
-                    <a:gdLst>
-                      <a:gd name="connsiteX0" fmla="*/ 0 w 2013626"/>
-                      <a:gd name="connsiteY0" fmla="*/ 1735884 h 3471768"/>
-                      <a:gd name="connsiteX1" fmla="*/ 1006813 w 2013626"/>
-                      <a:gd name="connsiteY1" fmla="*/ 0 h 3471768"/>
-                      <a:gd name="connsiteX2" fmla="*/ 2013626 w 2013626"/>
-                      <a:gd name="connsiteY2" fmla="*/ 1735884 h 3471768"/>
-                      <a:gd name="connsiteX3" fmla="*/ 1006813 w 2013626"/>
-                      <a:gd name="connsiteY3" fmla="*/ 3471768 h 3471768"/>
-                    </a:gdLst>
-                    <a:ahLst/>
-                    <a:cxnLst>
-                      <a:cxn ang="0">
-                        <a:pos x="connsiteX0" y="connsiteY0"/>
-                      </a:cxn>
-                      <a:cxn ang="0">
-                        <a:pos x="connsiteX1" y="connsiteY1"/>
-                      </a:cxn>
-                      <a:cxn ang="0">
-                        <a:pos x="connsiteX2" y="connsiteY2"/>
-                      </a:cxn>
-                      <a:cxn ang="0">
-                        <a:pos x="connsiteX3" y="connsiteY3"/>
-                      </a:cxn>
-                    </a:cxnLst>
-                    <a:rect l="l" t="t" r="r" b="b"/>
-                    <a:pathLst>
-                      <a:path w="2013626" h="3471768">
-                        <a:moveTo>
-                          <a:pt x="0" y="1735884"/>
-                        </a:moveTo>
-                        <a:lnTo>
-                          <a:pt x="1006813" y="0"/>
-                        </a:lnTo>
-                        <a:lnTo>
-                          <a:pt x="2013626" y="1735884"/>
-                        </a:lnTo>
-                        <a:lnTo>
-                          <a:pt x="1006813" y="3471768"/>
-                        </a:lnTo>
-                        <a:close/>
-                      </a:path>
-                    </a:pathLst>
-                  </a:custGeom>
-                  <a:solidFill>
-                    <a:srgbClr val="FFA484"/>
-                  </a:solidFill>
-                  <a:ln cap="rnd">
-                    <a:noFill/>
-                    <a:round/>
-                  </a:ln>
-                </p:spPr>
-                <p:style>
-                  <a:lnRef idx="2">
-                    <a:schemeClr val="accent1">
-                      <a:shade val="50000"/>
-                    </a:schemeClr>
-                  </a:lnRef>
-                  <a:fillRef idx="1">
-                    <a:schemeClr val="accent1"/>
-                  </a:fillRef>
-                  <a:effectRef idx="0">
-                    <a:schemeClr val="accent1"/>
-                  </a:effectRef>
-                  <a:fontRef idx="minor">
-                    <a:schemeClr val="lt1"/>
-                  </a:fontRef>
-                </p:style>
-                <p:txBody>
-                  <a:bodyPr rtlCol="0" anchor="ctr"/>
-                  <a:lstStyle/>
-                  <a:p>
-                    <a:pPr algn="ctr"/>
-                    <a:endParaRPr lang="sv-SE"/>
-                  </a:p>
-                </p:txBody>
-              </p:sp>
-              <p:sp>
-                <p:nvSpPr>
-                  <p:cNvPr id="228" name="Freeform 91">
-                    <a:extLst>
-                      <a:ext uri="{FF2B5EF4-FFF2-40B4-BE49-F238E27FC236}">
-                        <a16:creationId xmlns:a16="http://schemas.microsoft.com/office/drawing/2014/main" id="{F27FD3DD-A1F8-0B47-9585-2AB02EDBD4C6}"/>
-                      </a:ext>
-                    </a:extLst>
-                  </p:cNvPr>
-                  <p:cNvSpPr/>
-                  <p:nvPr/>
-                </p:nvSpPr>
-                <p:spPr>
-                  <a:xfrm rot="12600000" flipH="1">
-                    <a:off x="3977316" y="2558484"/>
-                    <a:ext cx="922364" cy="1596966"/>
-                  </a:xfrm>
-                  <a:custGeom>
-                    <a:avLst/>
-                    <a:gdLst>
-                      <a:gd name="connsiteX0" fmla="*/ 0 w 2013626"/>
-                      <a:gd name="connsiteY0" fmla="*/ 1735884 h 3471768"/>
-                      <a:gd name="connsiteX1" fmla="*/ 1006813 w 2013626"/>
-                      <a:gd name="connsiteY1" fmla="*/ 0 h 3471768"/>
-                      <a:gd name="connsiteX2" fmla="*/ 2013626 w 2013626"/>
-                      <a:gd name="connsiteY2" fmla="*/ 1735884 h 3471768"/>
-                      <a:gd name="connsiteX3" fmla="*/ 1006813 w 2013626"/>
-                      <a:gd name="connsiteY3" fmla="*/ 3471768 h 3471768"/>
-                    </a:gdLst>
-                    <a:ahLst/>
-                    <a:cxnLst>
-                      <a:cxn ang="0">
-                        <a:pos x="connsiteX0" y="connsiteY0"/>
-                      </a:cxn>
-                      <a:cxn ang="0">
-                        <a:pos x="connsiteX1" y="connsiteY1"/>
-                      </a:cxn>
-                      <a:cxn ang="0">
-                        <a:pos x="connsiteX2" y="connsiteY2"/>
-                      </a:cxn>
-                      <a:cxn ang="0">
-                        <a:pos x="connsiteX3" y="connsiteY3"/>
-                      </a:cxn>
-                    </a:cxnLst>
-                    <a:rect l="l" t="t" r="r" b="b"/>
-                    <a:pathLst>
-                      <a:path w="2013626" h="3471768">
-                        <a:moveTo>
-                          <a:pt x="0" y="1735884"/>
-                        </a:moveTo>
-                        <a:lnTo>
-                          <a:pt x="1006813" y="0"/>
-                        </a:lnTo>
-                        <a:lnTo>
-                          <a:pt x="2013626" y="1735884"/>
-                        </a:lnTo>
-                        <a:lnTo>
-                          <a:pt x="1006813" y="3471768"/>
-                        </a:lnTo>
-                        <a:close/>
-                      </a:path>
-                    </a:pathLst>
-                  </a:custGeom>
-                  <a:solidFill>
-                    <a:srgbClr val="DD71FF"/>
-                  </a:solidFill>
-                  <a:ln cap="rnd">
-                    <a:noFill/>
-                    <a:round/>
-                  </a:ln>
-                </p:spPr>
-                <p:style>
-                  <a:lnRef idx="2">
-                    <a:schemeClr val="accent1">
-                      <a:shade val="50000"/>
-                    </a:schemeClr>
-                  </a:lnRef>
-                  <a:fillRef idx="1">
-                    <a:schemeClr val="accent1"/>
-                  </a:fillRef>
-                  <a:effectRef idx="0">
-                    <a:schemeClr val="accent1"/>
-                  </a:effectRef>
-                  <a:fontRef idx="minor">
-                    <a:schemeClr val="lt1"/>
-                  </a:fontRef>
-                </p:style>
-                <p:txBody>
-                  <a:bodyPr rtlCol="0" anchor="ctr"/>
-                  <a:lstStyle/>
-                  <a:p>
-                    <a:pPr algn="ctr"/>
-                    <a:endParaRPr lang="sv-SE"/>
-                  </a:p>
-                </p:txBody>
-              </p:sp>
-              <p:sp>
-                <p:nvSpPr>
-                  <p:cNvPr id="229" name="Freeform 92">
-                    <a:extLst>
-                      <a:ext uri="{FF2B5EF4-FFF2-40B4-BE49-F238E27FC236}">
-                        <a16:creationId xmlns:a16="http://schemas.microsoft.com/office/drawing/2014/main" id="{7CE163FA-BA47-BE46-9668-EC2C607B0FEC}"/>
-                      </a:ext>
-                    </a:extLst>
-                  </p:cNvPr>
-                  <p:cNvSpPr/>
-                  <p:nvPr/>
-                </p:nvSpPr>
-                <p:spPr>
-                  <a:xfrm rot="5400000">
-                    <a:off x="3578912" y="1867301"/>
-                    <a:ext cx="922365" cy="1596336"/>
-                  </a:xfrm>
-                  <a:custGeom>
-                    <a:avLst/>
-                    <a:gdLst>
-                      <a:gd name="connsiteX0" fmla="*/ 0 w 2013626"/>
-                      <a:gd name="connsiteY0" fmla="*/ 1735884 h 3471768"/>
-                      <a:gd name="connsiteX1" fmla="*/ 1006813 w 2013626"/>
-                      <a:gd name="connsiteY1" fmla="*/ 0 h 3471768"/>
-                      <a:gd name="connsiteX2" fmla="*/ 2013626 w 2013626"/>
-                      <a:gd name="connsiteY2" fmla="*/ 1735884 h 3471768"/>
-                      <a:gd name="connsiteX3" fmla="*/ 1006813 w 2013626"/>
-                      <a:gd name="connsiteY3" fmla="*/ 3471768 h 3471768"/>
-                    </a:gdLst>
-                    <a:ahLst/>
-                    <a:cxnLst>
-                      <a:cxn ang="0">
-                        <a:pos x="connsiteX0" y="connsiteY0"/>
-                      </a:cxn>
-                      <a:cxn ang="0">
-                        <a:pos x="connsiteX1" y="connsiteY1"/>
-                      </a:cxn>
-                      <a:cxn ang="0">
-                        <a:pos x="connsiteX2" y="connsiteY2"/>
-                      </a:cxn>
-                      <a:cxn ang="0">
-                        <a:pos x="connsiteX3" y="connsiteY3"/>
-                      </a:cxn>
-                    </a:cxnLst>
-                    <a:rect l="l" t="t" r="r" b="b"/>
-                    <a:pathLst>
-                      <a:path w="2013626" h="3471768">
-                        <a:moveTo>
-                          <a:pt x="0" y="1735884"/>
-                        </a:moveTo>
-                        <a:lnTo>
-                          <a:pt x="1006813" y="0"/>
-                        </a:lnTo>
-                        <a:lnTo>
-                          <a:pt x="2013626" y="1735884"/>
-                        </a:lnTo>
-                        <a:lnTo>
-                          <a:pt x="1006813" y="3471768"/>
-                        </a:lnTo>
-                        <a:close/>
-                      </a:path>
-                    </a:pathLst>
-                  </a:custGeom>
-                  <a:solidFill>
-                    <a:srgbClr val="FFDF4D"/>
-                  </a:solidFill>
-                  <a:ln cap="rnd">
-                    <a:noFill/>
-                    <a:round/>
-                  </a:ln>
-                </p:spPr>
-                <p:style>
-                  <a:lnRef idx="2">
-                    <a:schemeClr val="accent1">
-                      <a:shade val="50000"/>
-                    </a:schemeClr>
-                  </a:lnRef>
-                  <a:fillRef idx="1">
-                    <a:schemeClr val="accent1"/>
-                  </a:fillRef>
-                  <a:effectRef idx="0">
-                    <a:schemeClr val="accent1"/>
-                  </a:effectRef>
-                  <a:fontRef idx="minor">
-                    <a:schemeClr val="lt1"/>
-                  </a:fontRef>
-                </p:style>
-                <p:txBody>
-                  <a:bodyPr rtlCol="0" anchor="ctr"/>
-                  <a:lstStyle/>
-                  <a:p>
-                    <a:pPr algn="ctr"/>
-                    <a:endParaRPr lang="sv-SE"/>
-                  </a:p>
-                </p:txBody>
-              </p:sp>
-            </p:grpSp>
-            <p:sp>
-              <p:nvSpPr>
-                <p:cNvPr id="226" name="Hexagon 89">
-                  <a:extLst>
-                    <a:ext uri="{FF2B5EF4-FFF2-40B4-BE49-F238E27FC236}">
-                      <a16:creationId xmlns:a16="http://schemas.microsoft.com/office/drawing/2014/main" id="{DC7C43A9-0C34-0648-9A00-289C6D078D7F}"/>
-                    </a:ext>
-                  </a:extLst>
-                </p:cNvPr>
-                <p:cNvSpPr/>
-                <p:nvPr/>
-              </p:nvSpPr>
-              <p:spPr>
-                <a:xfrm rot="5400000">
-                  <a:off x="3409267" y="2548302"/>
-                  <a:ext cx="956852" cy="841673"/>
-                </a:xfrm>
-                <a:prstGeom prst="hexagon">
-                  <a:avLst>
-                    <a:gd name="adj" fmla="val 29001"/>
-                    <a:gd name="vf" fmla="val 115470"/>
-                  </a:avLst>
-                </a:prstGeom>
+              <a:prstGeom prst="triangle">
+                <a:avLst/>
+              </a:prstGeom>
+              <a:solidFill>
+                <a:srgbClr val="7030A0"/>
+              </a:solidFill>
+              <a:ln>
                 <a:noFill/>
-                <a:ln w="95250" cap="rnd">
-                  <a:solidFill>
-                    <a:srgbClr val="231437"/>
-                  </a:solidFill>
-                  <a:miter lim="800000"/>
-                </a:ln>
-              </p:spPr>
-              <p:style>
-                <a:lnRef idx="2">
-                  <a:schemeClr val="accent1">
-                    <a:shade val="50000"/>
-                  </a:schemeClr>
-                </a:lnRef>
-                <a:fillRef idx="1">
-                  <a:schemeClr val="accent1"/>
-                </a:fillRef>
-                <a:effectRef idx="0">
-                  <a:schemeClr val="accent1"/>
-                </a:effectRef>
-                <a:fontRef idx="minor">
-                  <a:schemeClr val="lt1"/>
-                </a:fontRef>
-              </p:style>
-              <p:txBody>
-                <a:bodyPr rtlCol="0" anchor="ctr"/>
-                <a:lstStyle/>
-                <a:p>
-                  <a:pPr algn="ctr"/>
-                  <a:endParaRPr lang="sv-SE"/>
-                </a:p>
-              </p:txBody>
-            </p:sp>
-          </p:grpSp>
+              </a:ln>
+            </p:spPr>
+            <p:style>
+              <a:lnRef idx="2">
+                <a:schemeClr val="accent1">
+                  <a:shade val="50000"/>
+                </a:schemeClr>
+              </a:lnRef>
+              <a:fillRef idx="1">
+                <a:schemeClr val="accent1"/>
+              </a:fillRef>
+              <a:effectRef idx="0">
+                <a:schemeClr val="accent1"/>
+              </a:effectRef>
+              <a:fontRef idx="minor">
+                <a:schemeClr val="lt1"/>
+              </a:fontRef>
+            </p:style>
+            <p:txBody>
+              <a:bodyPr rtlCol="0" anchor="ctr"/>
+              <a:lstStyle/>
+              <a:p>
+                <a:pPr algn="ctr"/>
+                <a:endParaRPr lang="sv-SE"/>
+              </a:p>
+            </p:txBody>
+          </p:sp>
+        </p:grpSp>
+        <p:grpSp>
+          <p:nvGrpSpPr>
+            <p:cNvPr id="89" name="Grupp 88">
+              <a:extLst>
+                <a:ext uri="{FF2B5EF4-FFF2-40B4-BE49-F238E27FC236}">
+                  <a16:creationId xmlns:a16="http://schemas.microsoft.com/office/drawing/2014/main" id="{EB42FAD0-15FB-4B75-2565-ABFB71EEA1BA}"/>
+                </a:ext>
+              </a:extLst>
+            </p:cNvPr>
+            <p:cNvGrpSpPr/>
+            <p:nvPr/>
+          </p:nvGrpSpPr>
+          <p:grpSpPr>
+            <a:xfrm>
+              <a:off x="1578612" y="1976425"/>
+              <a:ext cx="1599312" cy="1845932"/>
+              <a:chOff x="1732910" y="530348"/>
+              <a:chExt cx="5402338" cy="6235405"/>
+            </a:xfrm>
+          </p:grpSpPr>
+          <p:sp>
+            <p:nvSpPr>
+              <p:cNvPr id="94" name="Frihandsfigur 93">
+                <a:extLst>
+                  <a:ext uri="{FF2B5EF4-FFF2-40B4-BE49-F238E27FC236}">
+                    <a16:creationId xmlns:a16="http://schemas.microsoft.com/office/drawing/2014/main" id="{FC863CF4-E941-FED5-27DB-F4F8A2DBD01F}"/>
+                  </a:ext>
+                </a:extLst>
+              </p:cNvPr>
+              <p:cNvSpPr/>
+              <p:nvPr/>
+            </p:nvSpPr>
+            <p:spPr>
+              <a:xfrm rot="5400000">
+                <a:off x="6259806" y="1801250"/>
+                <a:ext cx="640450" cy="1106895"/>
+              </a:xfrm>
+              <a:custGeom>
+                <a:avLst/>
+                <a:gdLst>
+                  <a:gd name="connsiteX0" fmla="*/ 0 w 640450"/>
+                  <a:gd name="connsiteY0" fmla="*/ 0 h 1106895"/>
+                  <a:gd name="connsiteX1" fmla="*/ 1042 w 640450"/>
+                  <a:gd name="connsiteY1" fmla="*/ 0 h 1106895"/>
+                  <a:gd name="connsiteX2" fmla="*/ 640450 w 640450"/>
+                  <a:gd name="connsiteY2" fmla="*/ 1106626 h 1106895"/>
+                  <a:gd name="connsiteX3" fmla="*/ 638975 w 640450"/>
+                  <a:gd name="connsiteY3" fmla="*/ 1106626 h 1106895"/>
+                  <a:gd name="connsiteX4" fmla="*/ 638818 w 640450"/>
+                  <a:gd name="connsiteY4" fmla="*/ 1106895 h 1106895"/>
+                  <a:gd name="connsiteX5" fmla="*/ 0 w 640450"/>
+                  <a:gd name="connsiteY5" fmla="*/ 0 h 1106895"/>
+                </a:gdLst>
+                <a:ahLst/>
+                <a:cxnLst>
+                  <a:cxn ang="0">
+                    <a:pos x="connsiteX0" y="connsiteY0"/>
+                  </a:cxn>
+                  <a:cxn ang="0">
+                    <a:pos x="connsiteX1" y="connsiteY1"/>
+                  </a:cxn>
+                  <a:cxn ang="0">
+                    <a:pos x="connsiteX2" y="connsiteY2"/>
+                  </a:cxn>
+                  <a:cxn ang="0">
+                    <a:pos x="connsiteX3" y="connsiteY3"/>
+                  </a:cxn>
+                  <a:cxn ang="0">
+                    <a:pos x="connsiteX4" y="connsiteY4"/>
+                  </a:cxn>
+                  <a:cxn ang="0">
+                    <a:pos x="connsiteX5" y="connsiteY5"/>
+                  </a:cxn>
+                </a:cxnLst>
+                <a:rect l="l" t="t" r="r" b="b"/>
+                <a:pathLst>
+                  <a:path w="640450" h="1106895">
+                    <a:moveTo>
+                      <a:pt x="0" y="0"/>
+                    </a:moveTo>
+                    <a:lnTo>
+                      <a:pt x="1042" y="0"/>
+                    </a:lnTo>
+                    <a:lnTo>
+                      <a:pt x="640450" y="1106626"/>
+                    </a:lnTo>
+                    <a:lnTo>
+                      <a:pt x="638975" y="1106626"/>
+                    </a:lnTo>
+                    <a:lnTo>
+                      <a:pt x="638818" y="1106895"/>
+                    </a:lnTo>
+                    <a:lnTo>
+                      <a:pt x="0" y="0"/>
+                    </a:lnTo>
+                    <a:close/>
+                  </a:path>
+                </a:pathLst>
+              </a:custGeom>
+              <a:solidFill>
+                <a:schemeClr val="accent2"/>
+              </a:solidFill>
+              <a:ln w="95250" cap="rnd">
+                <a:noFill/>
+                <a:miter lim="800000"/>
+              </a:ln>
+            </p:spPr>
+            <p:style>
+              <a:lnRef idx="2">
+                <a:schemeClr val="accent1">
+                  <a:shade val="50000"/>
+                </a:schemeClr>
+              </a:lnRef>
+              <a:fillRef idx="1">
+                <a:schemeClr val="accent1"/>
+              </a:fillRef>
+              <a:effectRef idx="0">
+                <a:schemeClr val="accent1"/>
+              </a:effectRef>
+              <a:fontRef idx="minor">
+                <a:schemeClr val="lt1"/>
+              </a:fontRef>
+            </p:style>
+            <p:txBody>
+              <a:bodyPr wrap="square" rtlCol="0" anchor="ctr">
+                <a:noAutofit/>
+              </a:bodyPr>
+              <a:lstStyle/>
+              <a:p>
+                <a:pPr algn="ctr"/>
+                <a:endParaRPr lang="sv-SE" dirty="0"/>
+              </a:p>
+            </p:txBody>
+          </p:sp>
+          <p:sp>
+            <p:nvSpPr>
+              <p:cNvPr id="95" name="Frihandsfigur 94">
+                <a:extLst>
+                  <a:ext uri="{FF2B5EF4-FFF2-40B4-BE49-F238E27FC236}">
+                    <a16:creationId xmlns:a16="http://schemas.microsoft.com/office/drawing/2014/main" id="{98353DE3-79B5-4FE2-DE21-37E2C847F08B}"/>
+                  </a:ext>
+                </a:extLst>
+              </p:cNvPr>
+              <p:cNvSpPr/>
+              <p:nvPr/>
+            </p:nvSpPr>
+            <p:spPr>
+              <a:xfrm rot="5400000">
+                <a:off x="3336676" y="-1068488"/>
+                <a:ext cx="2199736" cy="5397408"/>
+              </a:xfrm>
+              <a:custGeom>
+                <a:avLst/>
+                <a:gdLst>
+                  <a:gd name="connsiteX0" fmla="*/ 0 w 2199737"/>
+                  <a:gd name="connsiteY0" fmla="*/ 2698702 h 5397403"/>
+                  <a:gd name="connsiteX1" fmla="*/ 1559309 w 2199737"/>
+                  <a:gd name="connsiteY1" fmla="*/ 0 h 5397403"/>
+                  <a:gd name="connsiteX2" fmla="*/ 1560328 w 2199737"/>
+                  <a:gd name="connsiteY2" fmla="*/ 1765 h 5397403"/>
+                  <a:gd name="connsiteX3" fmla="*/ 1559286 w 2199737"/>
+                  <a:gd name="connsiteY3" fmla="*/ 1765 h 5397403"/>
+                  <a:gd name="connsiteX4" fmla="*/ 2198104 w 2199737"/>
+                  <a:gd name="connsiteY4" fmla="*/ 1108660 h 5397403"/>
+                  <a:gd name="connsiteX5" fmla="*/ 1275848 w 2199737"/>
+                  <a:gd name="connsiteY5" fmla="*/ 2698701 h 5397403"/>
+                  <a:gd name="connsiteX6" fmla="*/ 2198260 w 2199737"/>
+                  <a:gd name="connsiteY6" fmla="*/ 4289011 h 5397403"/>
+                  <a:gd name="connsiteX7" fmla="*/ 2199737 w 2199737"/>
+                  <a:gd name="connsiteY7" fmla="*/ 4289011 h 5397403"/>
+                  <a:gd name="connsiteX8" fmla="*/ 1559308 w 2199737"/>
+                  <a:gd name="connsiteY8" fmla="*/ 5397403 h 5397403"/>
+                  <a:gd name="connsiteX9" fmla="*/ 0 w 2199737"/>
+                  <a:gd name="connsiteY9" fmla="*/ 2698702 h 5397403"/>
+                </a:gdLst>
+                <a:ahLst/>
+                <a:cxnLst>
+                  <a:cxn ang="0">
+                    <a:pos x="connsiteX0" y="connsiteY0"/>
+                  </a:cxn>
+                  <a:cxn ang="0">
+                    <a:pos x="connsiteX1" y="connsiteY1"/>
+                  </a:cxn>
+                  <a:cxn ang="0">
+                    <a:pos x="connsiteX2" y="connsiteY2"/>
+                  </a:cxn>
+                  <a:cxn ang="0">
+                    <a:pos x="connsiteX3" y="connsiteY3"/>
+                  </a:cxn>
+                  <a:cxn ang="0">
+                    <a:pos x="connsiteX4" y="connsiteY4"/>
+                  </a:cxn>
+                  <a:cxn ang="0">
+                    <a:pos x="connsiteX5" y="connsiteY5"/>
+                  </a:cxn>
+                  <a:cxn ang="0">
+                    <a:pos x="connsiteX6" y="connsiteY6"/>
+                  </a:cxn>
+                  <a:cxn ang="0">
+                    <a:pos x="connsiteX7" y="connsiteY7"/>
+                  </a:cxn>
+                  <a:cxn ang="0">
+                    <a:pos x="connsiteX8" y="connsiteY8"/>
+                  </a:cxn>
+                  <a:cxn ang="0">
+                    <a:pos x="connsiteX9" y="connsiteY9"/>
+                  </a:cxn>
+                </a:cxnLst>
+                <a:rect l="l" t="t" r="r" b="b"/>
+                <a:pathLst>
+                  <a:path w="2199737" h="5397403">
+                    <a:moveTo>
+                      <a:pt x="0" y="2698702"/>
+                    </a:moveTo>
+                    <a:lnTo>
+                      <a:pt x="1559309" y="0"/>
+                    </a:lnTo>
+                    <a:lnTo>
+                      <a:pt x="1560328" y="1765"/>
+                    </a:lnTo>
+                    <a:lnTo>
+                      <a:pt x="1559286" y="1765"/>
+                    </a:lnTo>
+                    <a:lnTo>
+                      <a:pt x="2198104" y="1108660"/>
+                    </a:lnTo>
+                    <a:lnTo>
+                      <a:pt x="1275848" y="2698701"/>
+                    </a:lnTo>
+                    <a:lnTo>
+                      <a:pt x="2198260" y="4289011"/>
+                    </a:lnTo>
+                    <a:lnTo>
+                      <a:pt x="2199737" y="4289011"/>
+                    </a:lnTo>
+                    <a:lnTo>
+                      <a:pt x="1559308" y="5397403"/>
+                    </a:lnTo>
+                    <a:lnTo>
+                      <a:pt x="0" y="2698702"/>
+                    </a:lnTo>
+                    <a:close/>
+                  </a:path>
+                </a:pathLst>
+              </a:custGeom>
+              <a:solidFill>
+                <a:srgbClr val="FFC004"/>
+              </a:solidFill>
+              <a:ln w="95250" cap="rnd">
+                <a:noFill/>
+                <a:miter lim="800000"/>
+              </a:ln>
+            </p:spPr>
+            <p:style>
+              <a:lnRef idx="2">
+                <a:schemeClr val="accent1">
+                  <a:shade val="50000"/>
+                </a:schemeClr>
+              </a:lnRef>
+              <a:fillRef idx="1">
+                <a:schemeClr val="accent1"/>
+              </a:fillRef>
+              <a:effectRef idx="0">
+                <a:schemeClr val="accent1"/>
+              </a:effectRef>
+              <a:fontRef idx="minor">
+                <a:schemeClr val="lt1"/>
+              </a:fontRef>
+            </p:style>
+            <p:txBody>
+              <a:bodyPr wrap="square" rtlCol="0" anchor="ctr">
+                <a:noAutofit/>
+              </a:bodyPr>
+              <a:lstStyle/>
+              <a:p>
+                <a:pPr algn="ctr"/>
+                <a:endParaRPr lang="sv-SE" dirty="0"/>
+              </a:p>
+            </p:txBody>
+          </p:sp>
+          <p:sp>
+            <p:nvSpPr>
+              <p:cNvPr id="96" name="Frihandsfigur 95">
+                <a:extLst>
+                  <a:ext uri="{FF2B5EF4-FFF2-40B4-BE49-F238E27FC236}">
+                    <a16:creationId xmlns:a16="http://schemas.microsoft.com/office/drawing/2014/main" id="{B38AE213-BCCA-8FB5-EA1B-37EB1455ED1D}"/>
+                  </a:ext>
+                </a:extLst>
+              </p:cNvPr>
+              <p:cNvSpPr/>
+              <p:nvPr/>
+            </p:nvSpPr>
+            <p:spPr>
+              <a:xfrm rot="5400000">
+                <a:off x="745101" y="3077433"/>
+                <a:ext cx="4676126" cy="2700508"/>
+              </a:xfrm>
+              <a:custGeom>
+                <a:avLst/>
+                <a:gdLst>
+                  <a:gd name="connsiteX0" fmla="*/ 0 w 4676127"/>
+                  <a:gd name="connsiteY0" fmla="*/ 2699988 h 2700510"/>
+                  <a:gd name="connsiteX1" fmla="*/ 642230 w 4676127"/>
+                  <a:gd name="connsiteY1" fmla="*/ 1587184 h 2700510"/>
+                  <a:gd name="connsiteX2" fmla="*/ 2410027 w 4676127"/>
+                  <a:gd name="connsiteY2" fmla="*/ 1587184 h 2700510"/>
+                  <a:gd name="connsiteX3" fmla="*/ 3330626 w 4676127"/>
+                  <a:gd name="connsiteY3" fmla="*/ 0 h 2700510"/>
+                  <a:gd name="connsiteX4" fmla="*/ 4676127 w 4676127"/>
+                  <a:gd name="connsiteY4" fmla="*/ 226 h 2700510"/>
+                  <a:gd name="connsiteX5" fmla="*/ 3117718 w 4676127"/>
+                  <a:gd name="connsiteY5" fmla="*/ 2700510 h 2700510"/>
+                  <a:gd name="connsiteX6" fmla="*/ 0 w 4676127"/>
+                  <a:gd name="connsiteY6" fmla="*/ 2699988 h 2700510"/>
+                </a:gdLst>
+                <a:ahLst/>
+                <a:cxnLst>
+                  <a:cxn ang="0">
+                    <a:pos x="connsiteX0" y="connsiteY0"/>
+                  </a:cxn>
+                  <a:cxn ang="0">
+                    <a:pos x="connsiteX1" y="connsiteY1"/>
+                  </a:cxn>
+                  <a:cxn ang="0">
+                    <a:pos x="connsiteX2" y="connsiteY2"/>
+                  </a:cxn>
+                  <a:cxn ang="0">
+                    <a:pos x="connsiteX3" y="connsiteY3"/>
+                  </a:cxn>
+                  <a:cxn ang="0">
+                    <a:pos x="connsiteX4" y="connsiteY4"/>
+                  </a:cxn>
+                  <a:cxn ang="0">
+                    <a:pos x="connsiteX5" y="connsiteY5"/>
+                  </a:cxn>
+                  <a:cxn ang="0">
+                    <a:pos x="connsiteX6" y="connsiteY6"/>
+                  </a:cxn>
+                </a:cxnLst>
+                <a:rect l="l" t="t" r="r" b="b"/>
+                <a:pathLst>
+                  <a:path w="4676127" h="2700510">
+                    <a:moveTo>
+                      <a:pt x="0" y="2699988"/>
+                    </a:moveTo>
+                    <a:lnTo>
+                      <a:pt x="642230" y="1587184"/>
+                    </a:lnTo>
+                    <a:lnTo>
+                      <a:pt x="2410027" y="1587184"/>
+                    </a:lnTo>
+                    <a:lnTo>
+                      <a:pt x="3330626" y="0"/>
+                    </a:lnTo>
+                    <a:lnTo>
+                      <a:pt x="4676127" y="226"/>
+                    </a:lnTo>
+                    <a:lnTo>
+                      <a:pt x="3117718" y="2700510"/>
+                    </a:lnTo>
+                    <a:lnTo>
+                      <a:pt x="0" y="2699988"/>
+                    </a:lnTo>
+                    <a:close/>
+                  </a:path>
+                </a:pathLst>
+              </a:custGeom>
+              <a:solidFill>
+                <a:srgbClr val="F55A22"/>
+              </a:solidFill>
+              <a:ln w="95250" cap="rnd">
+                <a:noFill/>
+                <a:miter lim="800000"/>
+              </a:ln>
+            </p:spPr>
+            <p:style>
+              <a:lnRef idx="2">
+                <a:schemeClr val="accent1">
+                  <a:shade val="50000"/>
+                </a:schemeClr>
+              </a:lnRef>
+              <a:fillRef idx="1">
+                <a:schemeClr val="accent1"/>
+              </a:fillRef>
+              <a:effectRef idx="0">
+                <a:schemeClr val="accent1"/>
+              </a:effectRef>
+              <a:fontRef idx="minor">
+                <a:schemeClr val="lt1"/>
+              </a:fontRef>
+            </p:style>
+            <p:txBody>
+              <a:bodyPr wrap="square" rtlCol="0" anchor="ctr">
+                <a:noAutofit/>
+              </a:bodyPr>
+              <a:lstStyle/>
+              <a:p>
+                <a:pPr algn="ctr"/>
+                <a:endParaRPr lang="sv-SE" dirty="0"/>
+              </a:p>
+            </p:txBody>
+          </p:sp>
+          <p:sp>
+            <p:nvSpPr>
+              <p:cNvPr id="97" name="Frihandsfigur 96">
+                <a:extLst>
+                  <a:ext uri="{FF2B5EF4-FFF2-40B4-BE49-F238E27FC236}">
+                    <a16:creationId xmlns:a16="http://schemas.microsoft.com/office/drawing/2014/main" id="{BA5B152C-D603-06F9-8402-3DC7FDF1D2FB}"/>
+                  </a:ext>
+                </a:extLst>
+              </p:cNvPr>
+              <p:cNvSpPr/>
+              <p:nvPr/>
+            </p:nvSpPr>
+            <p:spPr>
+              <a:xfrm rot="5400000">
+                <a:off x="3446204" y="3077958"/>
+                <a:ext cx="4675083" cy="2700508"/>
+              </a:xfrm>
+              <a:custGeom>
+                <a:avLst/>
+                <a:gdLst>
+                  <a:gd name="connsiteX0" fmla="*/ 0 w 4675082"/>
+                  <a:gd name="connsiteY0" fmla="*/ 522 h 2700509"/>
+                  <a:gd name="connsiteX1" fmla="*/ 3116675 w 4675082"/>
+                  <a:gd name="connsiteY1" fmla="*/ 0 h 2700509"/>
+                  <a:gd name="connsiteX2" fmla="*/ 4675082 w 4675082"/>
+                  <a:gd name="connsiteY2" fmla="*/ 2700284 h 2700509"/>
+                  <a:gd name="connsiteX3" fmla="*/ 3329627 w 4675082"/>
+                  <a:gd name="connsiteY3" fmla="*/ 2700509 h 2700509"/>
+                  <a:gd name="connsiteX4" fmla="*/ 3331397 w 4675082"/>
+                  <a:gd name="connsiteY4" fmla="*/ 2697458 h 2700509"/>
+                  <a:gd name="connsiteX5" fmla="*/ 2408985 w 4675082"/>
+                  <a:gd name="connsiteY5" fmla="*/ 1107148 h 2700509"/>
+                  <a:gd name="connsiteX6" fmla="*/ 639408 w 4675082"/>
+                  <a:gd name="connsiteY6" fmla="*/ 1107148 h 2700509"/>
+                  <a:gd name="connsiteX7" fmla="*/ 0 w 4675082"/>
+                  <a:gd name="connsiteY7" fmla="*/ 522 h 2700509"/>
+                </a:gdLst>
+                <a:ahLst/>
+                <a:cxnLst>
+                  <a:cxn ang="0">
+                    <a:pos x="connsiteX0" y="connsiteY0"/>
+                  </a:cxn>
+                  <a:cxn ang="0">
+                    <a:pos x="connsiteX1" y="connsiteY1"/>
+                  </a:cxn>
+                  <a:cxn ang="0">
+                    <a:pos x="connsiteX2" y="connsiteY2"/>
+                  </a:cxn>
+                  <a:cxn ang="0">
+                    <a:pos x="connsiteX3" y="connsiteY3"/>
+                  </a:cxn>
+                  <a:cxn ang="0">
+                    <a:pos x="connsiteX4" y="connsiteY4"/>
+                  </a:cxn>
+                  <a:cxn ang="0">
+                    <a:pos x="connsiteX5" y="connsiteY5"/>
+                  </a:cxn>
+                  <a:cxn ang="0">
+                    <a:pos x="connsiteX6" y="connsiteY6"/>
+                  </a:cxn>
+                  <a:cxn ang="0">
+                    <a:pos x="connsiteX7" y="connsiteY7"/>
+                  </a:cxn>
+                </a:cxnLst>
+                <a:rect l="l" t="t" r="r" b="b"/>
+                <a:pathLst>
+                  <a:path w="4675082" h="2700509">
+                    <a:moveTo>
+                      <a:pt x="0" y="522"/>
+                    </a:moveTo>
+                    <a:lnTo>
+                      <a:pt x="3116675" y="0"/>
+                    </a:lnTo>
+                    <a:lnTo>
+                      <a:pt x="4675082" y="2700284"/>
+                    </a:lnTo>
+                    <a:lnTo>
+                      <a:pt x="3329627" y="2700509"/>
+                    </a:lnTo>
+                    <a:lnTo>
+                      <a:pt x="3331397" y="2697458"/>
+                    </a:lnTo>
+                    <a:lnTo>
+                      <a:pt x="2408985" y="1107148"/>
+                    </a:lnTo>
+                    <a:lnTo>
+                      <a:pt x="639408" y="1107148"/>
+                    </a:lnTo>
+                    <a:lnTo>
+                      <a:pt x="0" y="522"/>
+                    </a:lnTo>
+                    <a:close/>
+                  </a:path>
+                </a:pathLst>
+              </a:custGeom>
+              <a:solidFill>
+                <a:srgbClr val="7030A0"/>
+              </a:solidFill>
+              <a:ln w="95250" cap="rnd">
+                <a:noFill/>
+                <a:miter lim="800000"/>
+              </a:ln>
+            </p:spPr>
+            <p:style>
+              <a:lnRef idx="2">
+                <a:schemeClr val="accent1">
+                  <a:shade val="50000"/>
+                </a:schemeClr>
+              </a:lnRef>
+              <a:fillRef idx="1">
+                <a:schemeClr val="accent1"/>
+              </a:fillRef>
+              <a:effectRef idx="0">
+                <a:schemeClr val="accent1"/>
+              </a:effectRef>
+              <a:fontRef idx="minor">
+                <a:schemeClr val="lt1"/>
+              </a:fontRef>
+            </p:style>
+            <p:txBody>
+              <a:bodyPr wrap="square" rtlCol="0" anchor="ctr">
+                <a:noAutofit/>
+              </a:bodyPr>
+              <a:lstStyle/>
+              <a:p>
+                <a:pPr algn="ctr"/>
+                <a:endParaRPr lang="sv-SE" dirty="0"/>
+              </a:p>
+            </p:txBody>
+          </p:sp>
+        </p:grpSp>
+        <p:grpSp>
+          <p:nvGrpSpPr>
+            <p:cNvPr id="90" name="Group 88">
+              <a:extLst>
+                <a:ext uri="{FF2B5EF4-FFF2-40B4-BE49-F238E27FC236}">
+                  <a16:creationId xmlns:a16="http://schemas.microsoft.com/office/drawing/2014/main" id="{379987AC-20F2-1857-810A-369117FDCB8C}"/>
+                </a:ext>
+              </a:extLst>
+            </p:cNvPr>
+            <p:cNvGrpSpPr/>
+            <p:nvPr/>
+          </p:nvGrpSpPr>
+          <p:grpSpPr>
+            <a:xfrm>
+              <a:off x="1985182" y="2463602"/>
+              <a:ext cx="792193" cy="898140"/>
+              <a:chOff x="3178679" y="2215083"/>
+              <a:chExt cx="1721001" cy="1951168"/>
+            </a:xfrm>
+            <a:solidFill>
+              <a:schemeClr val="tx1">
+                <a:lumMod val="50000"/>
+                <a:lumOff val="50000"/>
+              </a:schemeClr>
+            </a:solidFill>
+          </p:grpSpPr>
+          <p:sp>
+            <p:nvSpPr>
+              <p:cNvPr id="91" name="Freeform 90">
+                <a:extLst>
+                  <a:ext uri="{FF2B5EF4-FFF2-40B4-BE49-F238E27FC236}">
+                    <a16:creationId xmlns:a16="http://schemas.microsoft.com/office/drawing/2014/main" id="{748BAC12-3E10-7C2C-2AE0-75C2DBCD8B14}"/>
+                  </a:ext>
+                </a:extLst>
+              </p:cNvPr>
+              <p:cNvSpPr/>
+              <p:nvPr/>
+            </p:nvSpPr>
+            <p:spPr>
+              <a:xfrm rot="9000000">
+                <a:off x="3178679" y="2569282"/>
+                <a:ext cx="922364" cy="1596969"/>
+              </a:xfrm>
+              <a:custGeom>
+                <a:avLst/>
+                <a:gdLst>
+                  <a:gd name="connsiteX0" fmla="*/ 0 w 2013626"/>
+                  <a:gd name="connsiteY0" fmla="*/ 1735884 h 3471768"/>
+                  <a:gd name="connsiteX1" fmla="*/ 1006813 w 2013626"/>
+                  <a:gd name="connsiteY1" fmla="*/ 0 h 3471768"/>
+                  <a:gd name="connsiteX2" fmla="*/ 2013626 w 2013626"/>
+                  <a:gd name="connsiteY2" fmla="*/ 1735884 h 3471768"/>
+                  <a:gd name="connsiteX3" fmla="*/ 1006813 w 2013626"/>
+                  <a:gd name="connsiteY3" fmla="*/ 3471768 h 3471768"/>
+                </a:gdLst>
+                <a:ahLst/>
+                <a:cxnLst>
+                  <a:cxn ang="0">
+                    <a:pos x="connsiteX0" y="connsiteY0"/>
+                  </a:cxn>
+                  <a:cxn ang="0">
+                    <a:pos x="connsiteX1" y="connsiteY1"/>
+                  </a:cxn>
+                  <a:cxn ang="0">
+                    <a:pos x="connsiteX2" y="connsiteY2"/>
+                  </a:cxn>
+                  <a:cxn ang="0">
+                    <a:pos x="connsiteX3" y="connsiteY3"/>
+                  </a:cxn>
+                </a:cxnLst>
+                <a:rect l="l" t="t" r="r" b="b"/>
+                <a:pathLst>
+                  <a:path w="2013626" h="3471768">
+                    <a:moveTo>
+                      <a:pt x="0" y="1735884"/>
+                    </a:moveTo>
+                    <a:lnTo>
+                      <a:pt x="1006813" y="0"/>
+                    </a:lnTo>
+                    <a:lnTo>
+                      <a:pt x="2013626" y="1735884"/>
+                    </a:lnTo>
+                    <a:lnTo>
+                      <a:pt x="1006813" y="3471768"/>
+                    </a:lnTo>
+                    <a:close/>
+                  </a:path>
+                </a:pathLst>
+              </a:custGeom>
+              <a:solidFill>
+                <a:srgbClr val="FFA484"/>
+              </a:solidFill>
+              <a:ln cap="rnd">
+                <a:noFill/>
+                <a:round/>
+              </a:ln>
+            </p:spPr>
+            <p:style>
+              <a:lnRef idx="2">
+                <a:schemeClr val="accent1">
+                  <a:shade val="50000"/>
+                </a:schemeClr>
+              </a:lnRef>
+              <a:fillRef idx="1">
+                <a:schemeClr val="accent1"/>
+              </a:fillRef>
+              <a:effectRef idx="0">
+                <a:schemeClr val="accent1"/>
+              </a:effectRef>
+              <a:fontRef idx="minor">
+                <a:schemeClr val="lt1"/>
+              </a:fontRef>
+            </p:style>
+            <p:txBody>
+              <a:bodyPr rtlCol="0" anchor="ctr"/>
+              <a:lstStyle/>
+              <a:p>
+                <a:pPr algn="ctr"/>
+                <a:endParaRPr lang="sv-SE"/>
+              </a:p>
+            </p:txBody>
+          </p:sp>
+          <p:sp>
+            <p:nvSpPr>
+              <p:cNvPr id="92" name="Freeform 91">
+                <a:extLst>
+                  <a:ext uri="{FF2B5EF4-FFF2-40B4-BE49-F238E27FC236}">
+                    <a16:creationId xmlns:a16="http://schemas.microsoft.com/office/drawing/2014/main" id="{CA0F8F9C-FB71-8B63-A39C-245EF57B23A7}"/>
+                  </a:ext>
+                </a:extLst>
+              </p:cNvPr>
+              <p:cNvSpPr/>
+              <p:nvPr/>
+            </p:nvSpPr>
+            <p:spPr>
+              <a:xfrm rot="12600000" flipH="1">
+                <a:off x="3977316" y="2569280"/>
+                <a:ext cx="922364" cy="1596967"/>
+              </a:xfrm>
+              <a:custGeom>
+                <a:avLst/>
+                <a:gdLst>
+                  <a:gd name="connsiteX0" fmla="*/ 0 w 2013626"/>
+                  <a:gd name="connsiteY0" fmla="*/ 1735884 h 3471768"/>
+                  <a:gd name="connsiteX1" fmla="*/ 1006813 w 2013626"/>
+                  <a:gd name="connsiteY1" fmla="*/ 0 h 3471768"/>
+                  <a:gd name="connsiteX2" fmla="*/ 2013626 w 2013626"/>
+                  <a:gd name="connsiteY2" fmla="*/ 1735884 h 3471768"/>
+                  <a:gd name="connsiteX3" fmla="*/ 1006813 w 2013626"/>
+                  <a:gd name="connsiteY3" fmla="*/ 3471768 h 3471768"/>
+                </a:gdLst>
+                <a:ahLst/>
+                <a:cxnLst>
+                  <a:cxn ang="0">
+                    <a:pos x="connsiteX0" y="connsiteY0"/>
+                  </a:cxn>
+                  <a:cxn ang="0">
+                    <a:pos x="connsiteX1" y="connsiteY1"/>
+                  </a:cxn>
+                  <a:cxn ang="0">
+                    <a:pos x="connsiteX2" y="connsiteY2"/>
+                  </a:cxn>
+                  <a:cxn ang="0">
+                    <a:pos x="connsiteX3" y="connsiteY3"/>
+                  </a:cxn>
+                </a:cxnLst>
+                <a:rect l="l" t="t" r="r" b="b"/>
+                <a:pathLst>
+                  <a:path w="2013626" h="3471768">
+                    <a:moveTo>
+                      <a:pt x="0" y="1735884"/>
+                    </a:moveTo>
+                    <a:lnTo>
+                      <a:pt x="1006813" y="0"/>
+                    </a:lnTo>
+                    <a:lnTo>
+                      <a:pt x="2013626" y="1735884"/>
+                    </a:lnTo>
+                    <a:lnTo>
+                      <a:pt x="1006813" y="3471768"/>
+                    </a:lnTo>
+                    <a:close/>
+                  </a:path>
+                </a:pathLst>
+              </a:custGeom>
+              <a:solidFill>
+                <a:srgbClr val="DD71FF"/>
+              </a:solidFill>
+              <a:ln cap="rnd">
+                <a:noFill/>
+                <a:round/>
+              </a:ln>
+            </p:spPr>
+            <p:style>
+              <a:lnRef idx="2">
+                <a:schemeClr val="accent1">
+                  <a:shade val="50000"/>
+                </a:schemeClr>
+              </a:lnRef>
+              <a:fillRef idx="1">
+                <a:schemeClr val="accent1"/>
+              </a:fillRef>
+              <a:effectRef idx="0">
+                <a:schemeClr val="accent1"/>
+              </a:effectRef>
+              <a:fontRef idx="minor">
+                <a:schemeClr val="lt1"/>
+              </a:fontRef>
+            </p:style>
+            <p:txBody>
+              <a:bodyPr rtlCol="0" anchor="ctr"/>
+              <a:lstStyle/>
+              <a:p>
+                <a:pPr algn="ctr"/>
+                <a:endParaRPr lang="sv-SE"/>
+              </a:p>
+            </p:txBody>
+          </p:sp>
+          <p:sp>
+            <p:nvSpPr>
+              <p:cNvPr id="93" name="Freeform 92">
+                <a:extLst>
+                  <a:ext uri="{FF2B5EF4-FFF2-40B4-BE49-F238E27FC236}">
+                    <a16:creationId xmlns:a16="http://schemas.microsoft.com/office/drawing/2014/main" id="{F451D095-2CE8-B3CF-F834-58670E5601F9}"/>
+                  </a:ext>
+                </a:extLst>
+              </p:cNvPr>
+              <p:cNvSpPr/>
+              <p:nvPr/>
+            </p:nvSpPr>
+            <p:spPr>
+              <a:xfrm rot="5400000">
+                <a:off x="3578911" y="1878097"/>
+                <a:ext cx="922365" cy="1596337"/>
+              </a:xfrm>
+              <a:custGeom>
+                <a:avLst/>
+                <a:gdLst>
+                  <a:gd name="connsiteX0" fmla="*/ 0 w 2013626"/>
+                  <a:gd name="connsiteY0" fmla="*/ 1735884 h 3471768"/>
+                  <a:gd name="connsiteX1" fmla="*/ 1006813 w 2013626"/>
+                  <a:gd name="connsiteY1" fmla="*/ 0 h 3471768"/>
+                  <a:gd name="connsiteX2" fmla="*/ 2013626 w 2013626"/>
+                  <a:gd name="connsiteY2" fmla="*/ 1735884 h 3471768"/>
+                  <a:gd name="connsiteX3" fmla="*/ 1006813 w 2013626"/>
+                  <a:gd name="connsiteY3" fmla="*/ 3471768 h 3471768"/>
+                </a:gdLst>
+                <a:ahLst/>
+                <a:cxnLst>
+                  <a:cxn ang="0">
+                    <a:pos x="connsiteX0" y="connsiteY0"/>
+                  </a:cxn>
+                  <a:cxn ang="0">
+                    <a:pos x="connsiteX1" y="connsiteY1"/>
+                  </a:cxn>
+                  <a:cxn ang="0">
+                    <a:pos x="connsiteX2" y="connsiteY2"/>
+                  </a:cxn>
+                  <a:cxn ang="0">
+                    <a:pos x="connsiteX3" y="connsiteY3"/>
+                  </a:cxn>
+                </a:cxnLst>
+                <a:rect l="l" t="t" r="r" b="b"/>
+                <a:pathLst>
+                  <a:path w="2013626" h="3471768">
+                    <a:moveTo>
+                      <a:pt x="0" y="1735884"/>
+                    </a:moveTo>
+                    <a:lnTo>
+                      <a:pt x="1006813" y="0"/>
+                    </a:lnTo>
+                    <a:lnTo>
+                      <a:pt x="2013626" y="1735884"/>
+                    </a:lnTo>
+                    <a:lnTo>
+                      <a:pt x="1006813" y="3471768"/>
+                    </a:lnTo>
+                    <a:close/>
+                  </a:path>
+                </a:pathLst>
+              </a:custGeom>
+              <a:solidFill>
+                <a:srgbClr val="FFDF4D"/>
+              </a:solidFill>
+              <a:ln cap="rnd">
+                <a:noFill/>
+                <a:round/>
+              </a:ln>
+            </p:spPr>
+            <p:style>
+              <a:lnRef idx="2">
+                <a:schemeClr val="accent1">
+                  <a:shade val="50000"/>
+                </a:schemeClr>
+              </a:lnRef>
+              <a:fillRef idx="1">
+                <a:schemeClr val="accent1"/>
+              </a:fillRef>
+              <a:effectRef idx="0">
+                <a:schemeClr val="accent1"/>
+              </a:effectRef>
+              <a:fontRef idx="minor">
+                <a:schemeClr val="lt1"/>
+              </a:fontRef>
+            </p:style>
+            <p:txBody>
+              <a:bodyPr rtlCol="0" anchor="ctr"/>
+              <a:lstStyle/>
+              <a:p>
+                <a:pPr algn="ctr"/>
+                <a:endParaRPr lang="sv-SE"/>
+              </a:p>
+            </p:txBody>
+          </p:sp>
         </p:grpSp>
       </p:grpSp>
     </p:spTree>
